--- a/Network Automation with Python.pptx
+++ b/Network Automation with Python.pptx
@@ -14,25 +14,29 @@
     <p:sldId id="272" r:id="rId8"/>
     <p:sldId id="266" r:id="rId9"/>
     <p:sldId id="281" r:id="rId10"/>
-    <p:sldId id="282" r:id="rId11"/>
-    <p:sldId id="275" r:id="rId12"/>
-    <p:sldId id="276" r:id="rId13"/>
-    <p:sldId id="273" r:id="rId14"/>
-    <p:sldId id="261" r:id="rId15"/>
-    <p:sldId id="262" r:id="rId16"/>
-    <p:sldId id="270" r:id="rId17"/>
-    <p:sldId id="271" r:id="rId18"/>
-    <p:sldId id="267" r:id="rId19"/>
-    <p:sldId id="263" r:id="rId20"/>
-    <p:sldId id="265" r:id="rId21"/>
-    <p:sldId id="264" r:id="rId22"/>
-    <p:sldId id="268" r:id="rId23"/>
-    <p:sldId id="279" r:id="rId24"/>
+    <p:sldId id="273" r:id="rId11"/>
+    <p:sldId id="282" r:id="rId12"/>
+    <p:sldId id="275" r:id="rId13"/>
+    <p:sldId id="276" r:id="rId14"/>
+    <p:sldId id="283" r:id="rId15"/>
+    <p:sldId id="284" r:id="rId16"/>
+    <p:sldId id="261" r:id="rId17"/>
+    <p:sldId id="262" r:id="rId18"/>
+    <p:sldId id="286" r:id="rId19"/>
+    <p:sldId id="287" r:id="rId20"/>
+    <p:sldId id="270" r:id="rId21"/>
+    <p:sldId id="271" r:id="rId22"/>
+    <p:sldId id="267" r:id="rId23"/>
+    <p:sldId id="263" r:id="rId24"/>
+    <p:sldId id="265" r:id="rId25"/>
+    <p:sldId id="264" r:id="rId26"/>
+    <p:sldId id="268" r:id="rId27"/>
+    <p:sldId id="279" r:id="rId28"/>
   </p:sldIdLst>
   <p:sldSz cx="12192000" cy="6858000"/>
   <p:notesSz cx="6858000" cy="9144000"/>
   <p:custDataLst>
-    <p:tags r:id="rId25"/>
+    <p:tags r:id="rId29"/>
   </p:custDataLst>
   <p:defaultTextStyle>
     <a:defPPr>
@@ -230,70 +234,6 @@
           </a:extLst>
         </p:spPr>
       </p:pic>
-      <p:sp>
-        <p:nvSpPr>
-          <p:cNvPr id="7" name="Rectangle 280"/>
-          <p:cNvSpPr>
-            <a:spLocks noChangeArrowheads="1"/>
-          </p:cNvSpPr>
-          <p:nvPr/>
-        </p:nvSpPr>
-        <p:spPr bwMode="auto">
-          <a:xfrm>
-            <a:off x="258235" y="6601864"/>
-            <a:ext cx="1282700" cy="216082"/>
-          </a:xfrm>
-          <a:prstGeom prst="rect">
-            <a:avLst/>
-          </a:prstGeom>
-          <a:noFill/>
-          <a:ln>
-            <a:noFill/>
-          </a:ln>
-          <a:extLst>
-            <a:ext uri="{909E8E84-426E-40DD-AFC4-6F175D3DCCD1}">
-              <a14:hiddenFill xmlns:a14="http://schemas.microsoft.com/office/drawing/2010/main">
-                <a:solidFill>
-                  <a:srgbClr val="FFFFFF"/>
-                </a:solidFill>
-              </a14:hiddenFill>
-            </a:ext>
-            <a:ext uri="{91240B29-F687-4F45-9708-019B960494DF}">
-              <a14:hiddenLine xmlns:a14="http://schemas.microsoft.com/office/drawing/2010/main" w="9525">
-                <a:solidFill>
-                  <a:srgbClr val="000000"/>
-                </a:solidFill>
-                <a:miter lim="800000"/>
-                <a:headEnd/>
-                <a:tailEnd/>
-              </a14:hiddenLine>
-            </a:ext>
-          </a:extLst>
-        </p:spPr>
-        <p:txBody>
-          <a:bodyPr lIns="61593" tIns="30796" rIns="61593" bIns="30796" anchor="b">
-            <a:spAutoFit/>
-          </a:bodyPr>
-          <a:lstStyle/>
-          <a:p>
-            <a:pPr algn="l" defTabSz="610743">
-              <a:lnSpc>
-                <a:spcPct val="100000"/>
-              </a:lnSpc>
-            </a:pPr>
-            <a:r>
-              <a:rPr lang="en-US" sz="1000" dirty="0">
-                <a:solidFill>
-                  <a:schemeClr val="bg1">
-                    <a:lumMod val="50000"/>
-                  </a:schemeClr>
-                </a:solidFill>
-              </a:rPr>
-              <a:t>DEVASCv1</a:t>
-            </a:r>
-          </a:p>
-        </p:txBody>
-      </p:sp>
       <p:pic>
         <p:nvPicPr>
           <p:cNvPr id="9" name="Picture 331" descr="Cisco_NewLogo"/>
@@ -591,6 +531,42 @@
           <a:xfrm>
             <a:off x="8714224" y="226075"/>
             <a:ext cx="3069265" cy="696796"/>
+          </a:xfrm>
+          <a:prstGeom prst="rect">
+            <a:avLst/>
+          </a:prstGeom>
+        </p:spPr>
+      </p:pic>
+      <p:pic>
+        <p:nvPicPr>
+          <p:cNvPr id="12" name="Picture 11" descr="A picture containing text, sign, black, dark&#10;&#10;Description automatically generated">
+            <a:extLst>
+              <a:ext uri="{FF2B5EF4-FFF2-40B4-BE49-F238E27FC236}">
+                <a16:creationId xmlns:a16="http://schemas.microsoft.com/office/drawing/2014/main" id="{B15141A6-F605-4FEA-87A4-E47E6AAF8C43}"/>
+              </a:ext>
+            </a:extLst>
+          </p:cNvPr>
+          <p:cNvPicPr>
+            <a:picLocks noChangeAspect="1"/>
+          </p:cNvPicPr>
+          <p:nvPr userDrawn="1"/>
+        </p:nvPicPr>
+        <p:blipFill>
+          <a:blip r:embed="rId6">
+            <a:extLst>
+              <a:ext uri="{28A0092B-C50C-407E-A947-70E740481C1C}">
+                <a14:useLocalDpi xmlns:a14="http://schemas.microsoft.com/office/drawing/2010/main" val="0"/>
+              </a:ext>
+            </a:extLst>
+          </a:blip>
+          <a:stretch>
+            <a:fillRect/>
+          </a:stretch>
+        </p:blipFill>
+        <p:spPr>
+          <a:xfrm>
+            <a:off x="533400" y="6629552"/>
+            <a:ext cx="651368" cy="197039"/>
           </a:xfrm>
           <a:prstGeom prst="rect">
             <a:avLst/>
@@ -3209,70 +3185,6 @@
       </p:grpSpPr>
       <p:sp>
         <p:nvSpPr>
-          <p:cNvPr id="3075" name="Rectangle 6281"/>
-          <p:cNvSpPr>
-            <a:spLocks noChangeArrowheads="1"/>
-          </p:cNvSpPr>
-          <p:nvPr/>
-        </p:nvSpPr>
-        <p:spPr bwMode="auto">
-          <a:xfrm>
-            <a:off x="308430" y="6641288"/>
-            <a:ext cx="1282700" cy="185304"/>
-          </a:xfrm>
-          <a:prstGeom prst="rect">
-            <a:avLst/>
-          </a:prstGeom>
-          <a:noFill/>
-          <a:ln>
-            <a:noFill/>
-          </a:ln>
-          <a:extLst>
-            <a:ext uri="{909E8E84-426E-40DD-AFC4-6F175D3DCCD1}">
-              <a14:hiddenFill xmlns:a14="http://schemas.microsoft.com/office/drawing/2010/main">
-                <a:solidFill>
-                  <a:srgbClr val="FFFFFF"/>
-                </a:solidFill>
-              </a14:hiddenFill>
-            </a:ext>
-            <a:ext uri="{91240B29-F687-4F45-9708-019B960494DF}">
-              <a14:hiddenLine xmlns:a14="http://schemas.microsoft.com/office/drawing/2010/main" w="9525">
-                <a:solidFill>
-                  <a:srgbClr val="000000"/>
-                </a:solidFill>
-                <a:miter lim="800000"/>
-                <a:headEnd/>
-                <a:tailEnd/>
-              </a14:hiddenLine>
-            </a:ext>
-          </a:extLst>
-        </p:spPr>
-        <p:txBody>
-          <a:bodyPr lIns="61593" tIns="30796" rIns="61593" bIns="30796" anchor="b">
-            <a:spAutoFit/>
-          </a:bodyPr>
-          <a:lstStyle/>
-          <a:p>
-            <a:pPr algn="l" defTabSz="610743">
-              <a:lnSpc>
-                <a:spcPct val="100000"/>
-              </a:lnSpc>
-            </a:pPr>
-            <a:r>
-              <a:rPr lang="en-US" sz="800" dirty="0">
-                <a:solidFill>
-                  <a:schemeClr val="bg1">
-                    <a:lumMod val="50000"/>
-                  </a:schemeClr>
-                </a:solidFill>
-              </a:rPr>
-              <a:t>DEVASCv1</a:t>
-            </a:r>
-          </a:p>
-        </p:txBody>
-      </p:sp>
-      <p:sp>
-        <p:nvSpPr>
           <p:cNvPr id="3076" name="Rectangle 6282"/>
           <p:cNvSpPr>
             <a:spLocks noChangeArrowheads="1"/>
@@ -3391,6 +3303,42 @@
               </a14:hiddenLine>
             </a:ext>
           </a:extLst>
+        </p:spPr>
+      </p:pic>
+      <p:pic>
+        <p:nvPicPr>
+          <p:cNvPr id="3" name="Picture 2" descr="A picture containing text, sign, black, dark&#10;&#10;Description automatically generated">
+            <a:extLst>
+              <a:ext uri="{FF2B5EF4-FFF2-40B4-BE49-F238E27FC236}">
+                <a16:creationId xmlns:a16="http://schemas.microsoft.com/office/drawing/2014/main" id="{56CEA0DF-7313-4C38-A1D8-87A2D5BE5A7E}"/>
+              </a:ext>
+            </a:extLst>
+          </p:cNvPr>
+          <p:cNvPicPr>
+            <a:picLocks noChangeAspect="1"/>
+          </p:cNvPicPr>
+          <p:nvPr userDrawn="1"/>
+        </p:nvPicPr>
+        <p:blipFill>
+          <a:blip r:embed="rId16">
+            <a:extLst>
+              <a:ext uri="{28A0092B-C50C-407E-A947-70E740481C1C}">
+                <a14:useLocalDpi xmlns:a14="http://schemas.microsoft.com/office/drawing/2010/main" val="0"/>
+              </a:ext>
+            </a:extLst>
+          </a:blip>
+          <a:stretch>
+            <a:fillRect/>
+          </a:stretch>
+        </p:blipFill>
+        <p:spPr>
+          <a:xfrm>
+            <a:off x="533400" y="6629552"/>
+            <a:ext cx="651368" cy="197039"/>
+          </a:xfrm>
+          <a:prstGeom prst="rect">
+            <a:avLst/>
+          </a:prstGeom>
         </p:spPr>
       </p:pic>
     </p:spTree>
@@ -4045,6 +3993,202 @@
           <p:cNvPr id="2" name="Title 1">
             <a:extLst>
               <a:ext uri="{FF2B5EF4-FFF2-40B4-BE49-F238E27FC236}">
+                <a16:creationId xmlns:a16="http://schemas.microsoft.com/office/drawing/2014/main" id="{CB0B3566-9231-430F-BBE1-6197B1E047D3}"/>
+              </a:ext>
+            </a:extLst>
+          </p:cNvPr>
+          <p:cNvSpPr>
+            <a:spLocks noGrp="1"/>
+          </p:cNvSpPr>
+          <p:nvPr>
+            <p:ph type="title"/>
+          </p:nvPr>
+        </p:nvSpPr>
+        <p:spPr/>
+        <p:txBody>
+          <a:bodyPr/>
+          <a:lstStyle/>
+          <a:p>
+            <a:r>
+              <a:rPr lang="en-US" dirty="0"/>
+              <a:t>Windows Terminal as a Serial Port</a:t>
+            </a:r>
+          </a:p>
+        </p:txBody>
+      </p:sp>
+      <p:pic>
+        <p:nvPicPr>
+          <p:cNvPr id="6" name="Content Placeholder 5" descr="A picture containing connector&#10;&#10;Description automatically generated">
+            <a:extLst>
+              <a:ext uri="{FF2B5EF4-FFF2-40B4-BE49-F238E27FC236}">
+                <a16:creationId xmlns:a16="http://schemas.microsoft.com/office/drawing/2014/main" id="{B21463D4-6F83-4A41-9B2B-20CDEA315042}"/>
+              </a:ext>
+            </a:extLst>
+          </p:cNvPr>
+          <p:cNvPicPr>
+            <a:picLocks noGrp="1" noChangeAspect="1"/>
+          </p:cNvPicPr>
+          <p:nvPr>
+            <p:ph sz="half" idx="1"/>
+          </p:nvPr>
+        </p:nvPicPr>
+        <p:blipFill>
+          <a:blip r:embed="rId2">
+            <a:extLst>
+              <a:ext uri="{28A0092B-C50C-407E-A947-70E740481C1C}">
+                <a14:useLocalDpi xmlns:a14="http://schemas.microsoft.com/office/drawing/2010/main" val="0"/>
+              </a:ext>
+            </a:extLst>
+          </a:blip>
+          <a:stretch>
+            <a:fillRect/>
+          </a:stretch>
+        </p:blipFill>
+        <p:spPr>
+          <a:xfrm>
+            <a:off x="311150" y="1451723"/>
+            <a:ext cx="6554788" cy="4868954"/>
+          </a:xfrm>
+        </p:spPr>
+      </p:pic>
+      <p:pic>
+        <p:nvPicPr>
+          <p:cNvPr id="8" name="Content Placeholder 7">
+            <a:extLst>
+              <a:ext uri="{FF2B5EF4-FFF2-40B4-BE49-F238E27FC236}">
+                <a16:creationId xmlns:a16="http://schemas.microsoft.com/office/drawing/2014/main" id="{BAB7993B-DC2B-459D-A960-0471DF31A350}"/>
+              </a:ext>
+            </a:extLst>
+          </p:cNvPr>
+          <p:cNvPicPr>
+            <a:picLocks noGrp="1" noChangeAspect="1"/>
+          </p:cNvPicPr>
+          <p:nvPr>
+            <p:ph sz="half" idx="2"/>
+          </p:nvPr>
+        </p:nvPicPr>
+        <p:blipFill>
+          <a:blip r:embed="rId3"/>
+          <a:stretch>
+            <a:fillRect/>
+          </a:stretch>
+        </p:blipFill>
+        <p:spPr>
+          <a:xfrm>
+            <a:off x="7021208" y="1451723"/>
+            <a:ext cx="4876800" cy="2853904"/>
+          </a:xfrm>
+        </p:spPr>
+      </p:pic>
+      <p:sp>
+        <p:nvSpPr>
+          <p:cNvPr id="9" name="TextBox 8">
+            <a:extLst>
+              <a:ext uri="{FF2B5EF4-FFF2-40B4-BE49-F238E27FC236}">
+                <a16:creationId xmlns:a16="http://schemas.microsoft.com/office/drawing/2014/main" id="{BD3D6DC5-7E07-46B3-A07B-DC1CEDE22519}"/>
+              </a:ext>
+            </a:extLst>
+          </p:cNvPr>
+          <p:cNvSpPr txBox="1"/>
+          <p:nvPr/>
+        </p:nvSpPr>
+        <p:spPr>
+          <a:xfrm>
+            <a:off x="7095281" y="1689904"/>
+            <a:ext cx="4699322" cy="1200329"/>
+          </a:xfrm>
+          <a:prstGeom prst="rect">
+            <a:avLst/>
+          </a:prstGeom>
+          <a:noFill/>
+        </p:spPr>
+        <p:txBody>
+          <a:bodyPr wrap="square" rtlCol="0">
+            <a:spAutoFit/>
+          </a:bodyPr>
+          <a:lstStyle/>
+          <a:p>
+            <a:r>
+              <a:rPr lang="en-US" dirty="0">
+                <a:solidFill>
+                  <a:schemeClr val="bg1"/>
+                </a:solidFill>
+                <a:latin typeface="Courier New" panose="02070309020205020404" pitchFamily="49" charset="0"/>
+                <a:cs typeface="Courier New" panose="02070309020205020404" pitchFamily="49" charset="0"/>
+              </a:rPr>
+              <a:t>Username: cisco</a:t>
+            </a:r>
+          </a:p>
+          <a:p>
+            <a:r>
+              <a:rPr lang="en-US" dirty="0">
+                <a:solidFill>
+                  <a:schemeClr val="bg1"/>
+                </a:solidFill>
+                <a:latin typeface="Courier New" panose="02070309020205020404" pitchFamily="49" charset="0"/>
+                <a:cs typeface="Courier New" panose="02070309020205020404" pitchFamily="49" charset="0"/>
+              </a:rPr>
+              <a:t>Password:</a:t>
+            </a:r>
+          </a:p>
+          <a:p>
+            <a:endParaRPr lang="en-US" dirty="0">
+              <a:solidFill>
+                <a:schemeClr val="bg1"/>
+              </a:solidFill>
+              <a:latin typeface="Courier New" panose="02070309020205020404" pitchFamily="49" charset="0"/>
+              <a:cs typeface="Courier New" panose="02070309020205020404" pitchFamily="49" charset="0"/>
+            </a:endParaRPr>
+          </a:p>
+          <a:p>
+            <a:r>
+              <a:rPr lang="en-US" dirty="0">
+                <a:solidFill>
+                  <a:schemeClr val="bg1"/>
+                </a:solidFill>
+                <a:latin typeface="Courier New" panose="02070309020205020404" pitchFamily="49" charset="0"/>
+                <a:cs typeface="Courier New" panose="02070309020205020404" pitchFamily="49" charset="0"/>
+              </a:rPr>
+              <a:t>R1&gt;</a:t>
+            </a:r>
+          </a:p>
+        </p:txBody>
+      </p:sp>
+    </p:spTree>
+    <p:extLst>
+      <p:ext uri="{BB962C8B-B14F-4D97-AF65-F5344CB8AC3E}">
+        <p14:creationId xmlns:p14="http://schemas.microsoft.com/office/powerpoint/2010/main" val="509893865"/>
+      </p:ext>
+    </p:extLst>
+  </p:cSld>
+  <p:clrMapOvr>
+    <a:masterClrMapping/>
+  </p:clrMapOvr>
+</p:sld>
+</file>
+
+<file path=ppt/slides/slide11.xml><?xml version="1.0" encoding="utf-8"?>
+<p:sld xmlns:a="http://schemas.openxmlformats.org/drawingml/2006/main" xmlns:r="http://schemas.openxmlformats.org/officeDocument/2006/relationships" xmlns:p="http://schemas.openxmlformats.org/presentationml/2006/main">
+  <p:cSld>
+    <p:spTree>
+      <p:nvGrpSpPr>
+        <p:cNvPr id="1" name=""/>
+        <p:cNvGrpSpPr/>
+        <p:nvPr/>
+      </p:nvGrpSpPr>
+      <p:grpSpPr>
+        <a:xfrm>
+          <a:off x="0" y="0"/>
+          <a:ext cx="0" cy="0"/>
+          <a:chOff x="0" y="0"/>
+          <a:chExt cx="0" cy="0"/>
+        </a:xfrm>
+      </p:grpSpPr>
+      <p:sp>
+        <p:nvSpPr>
+          <p:cNvPr id="2" name="Title 1">
+            <a:extLst>
+              <a:ext uri="{FF2B5EF4-FFF2-40B4-BE49-F238E27FC236}">
                 <a16:creationId xmlns:a16="http://schemas.microsoft.com/office/drawing/2014/main" id="{329AB735-E492-4480-85F5-C5B07DD4BF1F}"/>
               </a:ext>
             </a:extLst>
@@ -4586,7 +4730,7 @@
 </p:sld>
 </file>
 
-<file path=ppt/slides/slide11.xml><?xml version="1.0" encoding="utf-8"?>
+<file path=ppt/slides/slide12.xml><?xml version="1.0" encoding="utf-8"?>
 <p:sld xmlns:a="http://schemas.openxmlformats.org/drawingml/2006/main" xmlns:r="http://schemas.openxmlformats.org/officeDocument/2006/relationships" xmlns:p="http://schemas.openxmlformats.org/presentationml/2006/main">
   <p:cSld>
     <p:spTree>
@@ -4873,7 +5017,7 @@
 </p:sld>
 </file>
 
-<file path=ppt/slides/slide12.xml><?xml version="1.0" encoding="utf-8"?>
+<file path=ppt/slides/slide13.xml><?xml version="1.0" encoding="utf-8"?>
 <p:sld xmlns:a="http://schemas.openxmlformats.org/drawingml/2006/main" xmlns:r="http://schemas.openxmlformats.org/officeDocument/2006/relationships" xmlns:p="http://schemas.openxmlformats.org/presentationml/2006/main">
   <p:cSld>
     <p:spTree>
@@ -5503,7 +5647,7 @@
 </p:sld>
 </file>
 
-<file path=ppt/slides/slide13.xml><?xml version="1.0" encoding="utf-8"?>
+<file path=ppt/slides/slide14.xml><?xml version="1.0" encoding="utf-8"?>
 <p:sld xmlns:a="http://schemas.openxmlformats.org/drawingml/2006/main" xmlns:r="http://schemas.openxmlformats.org/officeDocument/2006/relationships" xmlns:p="http://schemas.openxmlformats.org/presentationml/2006/main">
   <p:cSld>
     <p:spTree>
@@ -5525,7 +5669,7 @@
           <p:cNvPr id="2" name="Title 1">
             <a:extLst>
               <a:ext uri="{FF2B5EF4-FFF2-40B4-BE49-F238E27FC236}">
-                <a16:creationId xmlns:a16="http://schemas.microsoft.com/office/drawing/2014/main" id="{CB0B3566-9231-430F-BBE1-6197B1E047D3}"/>
+                <a16:creationId xmlns:a16="http://schemas.microsoft.com/office/drawing/2014/main" id="{E3FD10FA-CDD3-43AB-A75E-91CF52490779}"/>
               </a:ext>
             </a:extLst>
           </p:cNvPr>
@@ -5542,154 +5686,89 @@
           <a:lstStyle/>
           <a:p>
             <a:r>
+              <a:rPr lang="en-US" dirty="0" err="1"/>
+              <a:t>Jupyter</a:t>
+            </a:r>
+            <a:r>
               <a:rPr lang="en-US" dirty="0"/>
-              <a:t>Windows Terminal as a Serial Port</a:t>
-            </a:r>
+              <a:t> Lab</a:t>
+            </a:r>
+          </a:p>
+        </p:txBody>
+      </p:sp>
+      <p:sp>
+        <p:nvSpPr>
+          <p:cNvPr id="3" name="Content Placeholder 2">
+            <a:extLst>
+              <a:ext uri="{FF2B5EF4-FFF2-40B4-BE49-F238E27FC236}">
+                <a16:creationId xmlns:a16="http://schemas.microsoft.com/office/drawing/2014/main" id="{F8870F8F-5705-4BB0-9AB8-4B14F3033BFC}"/>
+              </a:ext>
+            </a:extLst>
+          </p:cNvPr>
+          <p:cNvSpPr>
+            <a:spLocks noGrp="1"/>
+          </p:cNvSpPr>
+          <p:nvPr>
+            <p:ph sz="quarter" idx="10"/>
+          </p:nvPr>
+        </p:nvSpPr>
+        <p:spPr/>
+        <p:txBody>
+          <a:bodyPr/>
+          <a:lstStyle/>
+          <a:p>
+            <a:r>
+              <a:rPr lang="en-US" sz="2400" dirty="0"/>
+              <a:t>Update to </a:t>
+            </a:r>
+            <a:r>
+              <a:rPr lang="en-US" sz="2400" dirty="0" err="1"/>
+              <a:t>Jupyter</a:t>
+            </a:r>
+            <a:r>
+              <a:rPr lang="en-US" sz="2400" dirty="0"/>
+              <a:t> Notebook</a:t>
+            </a:r>
+          </a:p>
+          <a:p>
+            <a:endParaRPr lang="en-US" sz="2400" dirty="0"/>
           </a:p>
         </p:txBody>
       </p:sp>
       <p:pic>
         <p:nvPicPr>
-          <p:cNvPr id="6" name="Content Placeholder 5" descr="A picture containing connector&#10;&#10;Description automatically generated">
+          <p:cNvPr id="5" name="Picture 4">
             <a:extLst>
               <a:ext uri="{FF2B5EF4-FFF2-40B4-BE49-F238E27FC236}">
-                <a16:creationId xmlns:a16="http://schemas.microsoft.com/office/drawing/2014/main" id="{B21463D4-6F83-4A41-9B2B-20CDEA315042}"/>
+                <a16:creationId xmlns:a16="http://schemas.microsoft.com/office/drawing/2014/main" id="{511F410E-3C67-4176-86DF-A4CF0C733B22}"/>
               </a:ext>
             </a:extLst>
           </p:cNvPr>
           <p:cNvPicPr>
-            <a:picLocks noGrp="1" noChangeAspect="1"/>
+            <a:picLocks noChangeAspect="1"/>
           </p:cNvPicPr>
-          <p:nvPr>
-            <p:ph sz="half" idx="1"/>
-          </p:nvPr>
+          <p:nvPr/>
         </p:nvPicPr>
         <p:blipFill>
-          <a:blip r:embed="rId2">
-            <a:extLst>
-              <a:ext uri="{28A0092B-C50C-407E-A947-70E740481C1C}">
-                <a14:useLocalDpi xmlns:a14="http://schemas.microsoft.com/office/drawing/2010/main" val="0"/>
-              </a:ext>
-            </a:extLst>
-          </a:blip>
+          <a:blip r:embed="rId2"/>
           <a:stretch>
             <a:fillRect/>
           </a:stretch>
         </p:blipFill>
         <p:spPr>
           <a:xfrm>
-            <a:off x="311150" y="1451723"/>
-            <a:ext cx="6554788" cy="4868954"/>
-          </a:xfrm>
-        </p:spPr>
-      </p:pic>
-      <p:pic>
-        <p:nvPicPr>
-          <p:cNvPr id="8" name="Content Placeholder 7">
-            <a:extLst>
-              <a:ext uri="{FF2B5EF4-FFF2-40B4-BE49-F238E27FC236}">
-                <a16:creationId xmlns:a16="http://schemas.microsoft.com/office/drawing/2014/main" id="{BAB7993B-DC2B-459D-A960-0471DF31A350}"/>
-              </a:ext>
-            </a:extLst>
-          </p:cNvPr>
-          <p:cNvPicPr>
-            <a:picLocks noGrp="1" noChangeAspect="1"/>
-          </p:cNvPicPr>
-          <p:nvPr>
-            <p:ph sz="half" idx="2"/>
-          </p:nvPr>
-        </p:nvPicPr>
-        <p:blipFill>
-          <a:blip r:embed="rId3"/>
-          <a:stretch>
-            <a:fillRect/>
-          </a:stretch>
-        </p:blipFill>
-        <p:spPr>
-          <a:xfrm>
-            <a:off x="7021208" y="1451723"/>
-            <a:ext cx="4876800" cy="2853904"/>
-          </a:xfrm>
-        </p:spPr>
-      </p:pic>
-      <p:sp>
-        <p:nvSpPr>
-          <p:cNvPr id="9" name="TextBox 8">
-            <a:extLst>
-              <a:ext uri="{FF2B5EF4-FFF2-40B4-BE49-F238E27FC236}">
-                <a16:creationId xmlns:a16="http://schemas.microsoft.com/office/drawing/2014/main" id="{BD3D6DC5-7E07-46B3-A07B-DC1CEDE22519}"/>
-              </a:ext>
-            </a:extLst>
-          </p:cNvPr>
-          <p:cNvSpPr txBox="1"/>
-          <p:nvPr/>
-        </p:nvSpPr>
-        <p:spPr>
-          <a:xfrm>
-            <a:off x="7095281" y="1689904"/>
-            <a:ext cx="4699322" cy="1200329"/>
+            <a:off x="591195" y="1769107"/>
+            <a:ext cx="11043476" cy="4424303"/>
           </a:xfrm>
           <a:prstGeom prst="rect">
             <a:avLst/>
           </a:prstGeom>
-          <a:noFill/>
         </p:spPr>
-        <p:txBody>
-          <a:bodyPr wrap="square" rtlCol="0">
-            <a:spAutoFit/>
-          </a:bodyPr>
-          <a:lstStyle/>
-          <a:p>
-            <a:r>
-              <a:rPr lang="en-US" dirty="0">
-                <a:solidFill>
-                  <a:schemeClr val="bg1"/>
-                </a:solidFill>
-                <a:latin typeface="Courier New" panose="02070309020205020404" pitchFamily="49" charset="0"/>
-                <a:cs typeface="Courier New" panose="02070309020205020404" pitchFamily="49" charset="0"/>
-              </a:rPr>
-              <a:t>Username: cisco</a:t>
-            </a:r>
-          </a:p>
-          <a:p>
-            <a:r>
-              <a:rPr lang="en-US" dirty="0">
-                <a:solidFill>
-                  <a:schemeClr val="bg1"/>
-                </a:solidFill>
-                <a:latin typeface="Courier New" panose="02070309020205020404" pitchFamily="49" charset="0"/>
-                <a:cs typeface="Courier New" panose="02070309020205020404" pitchFamily="49" charset="0"/>
-              </a:rPr>
-              <a:t>Password:</a:t>
-            </a:r>
-          </a:p>
-          <a:p>
-            <a:endParaRPr lang="en-US" dirty="0">
-              <a:solidFill>
-                <a:schemeClr val="bg1"/>
-              </a:solidFill>
-              <a:latin typeface="Courier New" panose="02070309020205020404" pitchFamily="49" charset="0"/>
-              <a:cs typeface="Courier New" panose="02070309020205020404" pitchFamily="49" charset="0"/>
-            </a:endParaRPr>
-          </a:p>
-          <a:p>
-            <a:r>
-              <a:rPr lang="en-US" dirty="0">
-                <a:solidFill>
-                  <a:schemeClr val="bg1"/>
-                </a:solidFill>
-                <a:latin typeface="Courier New" panose="02070309020205020404" pitchFamily="49" charset="0"/>
-                <a:cs typeface="Courier New" panose="02070309020205020404" pitchFamily="49" charset="0"/>
-              </a:rPr>
-              <a:t>R1&gt;</a:t>
-            </a:r>
-          </a:p>
-        </p:txBody>
-      </p:sp>
+      </p:pic>
     </p:spTree>
     <p:extLst>
       <p:ext uri="{BB962C8B-B14F-4D97-AF65-F5344CB8AC3E}">
-        <p14:creationId xmlns:p14="http://schemas.microsoft.com/office/powerpoint/2010/main" val="509893865"/>
+        <p14:creationId xmlns:p14="http://schemas.microsoft.com/office/powerpoint/2010/main" val="924913614"/>
       </p:ext>
     </p:extLst>
   </p:cSld>
@@ -5699,7 +5778,169 @@
 </p:sld>
 </file>
 
-<file path=ppt/slides/slide14.xml><?xml version="1.0" encoding="utf-8"?>
+<file path=ppt/slides/slide15.xml><?xml version="1.0" encoding="utf-8"?>
+<p:sld xmlns:a="http://schemas.openxmlformats.org/drawingml/2006/main" xmlns:r="http://schemas.openxmlformats.org/officeDocument/2006/relationships" xmlns:p="http://schemas.openxmlformats.org/presentationml/2006/main">
+  <p:cSld>
+    <p:spTree>
+      <p:nvGrpSpPr>
+        <p:cNvPr id="1" name=""/>
+        <p:cNvGrpSpPr/>
+        <p:nvPr/>
+      </p:nvGrpSpPr>
+      <p:grpSpPr>
+        <a:xfrm>
+          <a:off x="0" y="0"/>
+          <a:ext cx="0" cy="0"/>
+          <a:chOff x="0" y="0"/>
+          <a:chExt cx="0" cy="0"/>
+        </a:xfrm>
+      </p:grpSpPr>
+      <p:sp>
+        <p:nvSpPr>
+          <p:cNvPr id="2" name="Title 1">
+            <a:extLst>
+              <a:ext uri="{FF2B5EF4-FFF2-40B4-BE49-F238E27FC236}">
+                <a16:creationId xmlns:a16="http://schemas.microsoft.com/office/drawing/2014/main" id="{22678F74-85E2-4168-A320-4B7AB976FD9C}"/>
+              </a:ext>
+            </a:extLst>
+          </p:cNvPr>
+          <p:cNvSpPr>
+            <a:spLocks noGrp="1"/>
+          </p:cNvSpPr>
+          <p:nvPr>
+            <p:ph type="title"/>
+          </p:nvPr>
+        </p:nvSpPr>
+        <p:spPr/>
+        <p:txBody>
+          <a:bodyPr/>
+          <a:lstStyle/>
+          <a:p>
+            <a:r>
+              <a:rPr lang="en-US" dirty="0"/>
+              <a:t>CML?</a:t>
+            </a:r>
+          </a:p>
+        </p:txBody>
+      </p:sp>
+      <p:sp>
+        <p:nvSpPr>
+          <p:cNvPr id="3" name="Content Placeholder 2">
+            <a:extLst>
+              <a:ext uri="{FF2B5EF4-FFF2-40B4-BE49-F238E27FC236}">
+                <a16:creationId xmlns:a16="http://schemas.microsoft.com/office/drawing/2014/main" id="{1D660EA9-05AC-499D-9EDD-6654DD59BF4B}"/>
+              </a:ext>
+            </a:extLst>
+          </p:cNvPr>
+          <p:cNvSpPr>
+            <a:spLocks noGrp="1"/>
+          </p:cNvSpPr>
+          <p:nvPr>
+            <p:ph sz="quarter" idx="10"/>
+          </p:nvPr>
+        </p:nvSpPr>
+        <p:spPr/>
+        <p:txBody>
+          <a:bodyPr/>
+          <a:lstStyle/>
+          <a:p>
+            <a:r>
+              <a:rPr lang="en-US" sz="2400" dirty="0"/>
+              <a:t>Cisco Modeling Labs - $200 per year</a:t>
+            </a:r>
+          </a:p>
+          <a:p>
+            <a:r>
+              <a:rPr lang="en-US" sz="2400" dirty="0">
+                <a:solidFill>
+                  <a:srgbClr val="C00000"/>
+                </a:solidFill>
+                <a:hlinkClick r:id="rId2">
+                  <a:extLst>
+                    <a:ext uri="{A12FA001-AC4F-418D-AE19-62706E023703}">
+                      <ahyp:hlinkClr xmlns:ahyp="http://schemas.microsoft.com/office/drawing/2018/hyperlinkcolor" val="tx"/>
+                    </a:ext>
+                  </a:extLst>
+                </a:hlinkClick>
+              </a:rPr>
+              <a:t>https://developer.cisco.com</a:t>
+            </a:r>
+            <a:r>
+              <a:rPr lang="en-US" sz="2400" dirty="0">
+                <a:solidFill>
+                  <a:srgbClr val="C00000"/>
+                </a:solidFill>
+              </a:rPr>
+              <a:t> </a:t>
+            </a:r>
+            <a:r>
+              <a:rPr lang="en-US" sz="2400" dirty="0"/>
+              <a:t>- Free</a:t>
+            </a:r>
+          </a:p>
+        </p:txBody>
+      </p:sp>
+      <p:pic>
+        <p:nvPicPr>
+          <p:cNvPr id="1026" name="Picture 2">
+            <a:extLst>
+              <a:ext uri="{FF2B5EF4-FFF2-40B4-BE49-F238E27FC236}">
+                <a16:creationId xmlns:a16="http://schemas.microsoft.com/office/drawing/2014/main" id="{C192C1D9-4515-4E2A-8194-EBD74C9E2665}"/>
+              </a:ext>
+            </a:extLst>
+          </p:cNvPr>
+          <p:cNvPicPr>
+            <a:picLocks noChangeAspect="1" noChangeArrowheads="1"/>
+          </p:cNvPicPr>
+          <p:nvPr/>
+        </p:nvPicPr>
+        <p:blipFill>
+          <a:blip r:embed="rId3">
+            <a:extLst>
+              <a:ext uri="{28A0092B-C50C-407E-A947-70E740481C1C}">
+                <a14:useLocalDpi xmlns:a14="http://schemas.microsoft.com/office/drawing/2010/main" val="0"/>
+              </a:ext>
+            </a:extLst>
+          </a:blip>
+          <a:srcRect/>
+          <a:stretch>
+            <a:fillRect/>
+          </a:stretch>
+        </p:blipFill>
+        <p:spPr bwMode="auto">
+          <a:xfrm>
+            <a:off x="533400" y="2580634"/>
+            <a:ext cx="11253930" cy="3537368"/>
+          </a:xfrm>
+          <a:prstGeom prst="rect">
+            <a:avLst/>
+          </a:prstGeom>
+          <a:noFill/>
+          <a:extLst>
+            <a:ext uri="{909E8E84-426E-40DD-AFC4-6F175D3DCCD1}">
+              <a14:hiddenFill xmlns:a14="http://schemas.microsoft.com/office/drawing/2010/main">
+                <a:solidFill>
+                  <a:srgbClr val="FFFFFF"/>
+                </a:solidFill>
+              </a14:hiddenFill>
+            </a:ext>
+          </a:extLst>
+        </p:spPr>
+      </p:pic>
+    </p:spTree>
+    <p:extLst>
+      <p:ext uri="{BB962C8B-B14F-4D97-AF65-F5344CB8AC3E}">
+        <p14:creationId xmlns:p14="http://schemas.microsoft.com/office/powerpoint/2010/main" val="2052051632"/>
+      </p:ext>
+    </p:extLst>
+  </p:cSld>
+  <p:clrMapOvr>
+    <a:masterClrMapping/>
+  </p:clrMapOvr>
+</p:sld>
+</file>
+
+<file path=ppt/slides/slide16.xml><?xml version="1.0" encoding="utf-8"?>
 <p:sld xmlns:a="http://schemas.openxmlformats.org/drawingml/2006/main" xmlns:r="http://schemas.openxmlformats.org/officeDocument/2006/relationships" xmlns:p="http://schemas.openxmlformats.org/presentationml/2006/main">
   <p:cSld>
     <p:spTree>
@@ -5824,7 +6065,7 @@
 </p:sld>
 </file>
 
-<file path=ppt/slides/slide15.xml><?xml version="1.0" encoding="utf-8"?>
+<file path=ppt/slides/slide17.xml><?xml version="1.0" encoding="utf-8"?>
 <p:sld xmlns:a="http://schemas.openxmlformats.org/drawingml/2006/main" xmlns:r="http://schemas.openxmlformats.org/officeDocument/2006/relationships" xmlns:p="http://schemas.openxmlformats.org/presentationml/2006/main">
   <p:cSld>
     <p:spTree>
@@ -5996,279 +6237,6 @@
 </p:sld>
 </file>
 
-<file path=ppt/slides/slide16.xml><?xml version="1.0" encoding="utf-8"?>
-<p:sld xmlns:a="http://schemas.openxmlformats.org/drawingml/2006/main" xmlns:r="http://schemas.openxmlformats.org/officeDocument/2006/relationships" xmlns:p="http://schemas.openxmlformats.org/presentationml/2006/main">
-  <p:cSld>
-    <p:spTree>
-      <p:nvGrpSpPr>
-        <p:cNvPr id="1" name=""/>
-        <p:cNvGrpSpPr/>
-        <p:nvPr/>
-      </p:nvGrpSpPr>
-      <p:grpSpPr>
-        <a:xfrm>
-          <a:off x="0" y="0"/>
-          <a:ext cx="0" cy="0"/>
-          <a:chOff x="0" y="0"/>
-          <a:chExt cx="0" cy="0"/>
-        </a:xfrm>
-      </p:grpSpPr>
-      <p:sp>
-        <p:nvSpPr>
-          <p:cNvPr id="2" name="Text Placeholder 1">
-            <a:extLst>
-              <a:ext uri="{FF2B5EF4-FFF2-40B4-BE49-F238E27FC236}">
-                <a16:creationId xmlns:a16="http://schemas.microsoft.com/office/drawing/2014/main" id="{85166FBE-BCF8-4C37-A78B-24E0BAB584D1}"/>
-              </a:ext>
-            </a:extLst>
-          </p:cNvPr>
-          <p:cNvSpPr>
-            <a:spLocks noGrp="1"/>
-          </p:cNvSpPr>
-          <p:nvPr>
-            <p:ph type="body" idx="1"/>
-          </p:nvPr>
-        </p:nvSpPr>
-        <p:spPr/>
-        <p:txBody>
-          <a:bodyPr/>
-          <a:lstStyle/>
-          <a:p>
-            <a:r>
-              <a:rPr lang="en-US" dirty="0"/>
-              <a:t>Network Automation with Python</a:t>
-            </a:r>
-          </a:p>
-        </p:txBody>
-      </p:sp>
-      <p:sp>
-        <p:nvSpPr>
-          <p:cNvPr id="3" name="Title 2">
-            <a:extLst>
-              <a:ext uri="{FF2B5EF4-FFF2-40B4-BE49-F238E27FC236}">
-                <a16:creationId xmlns:a16="http://schemas.microsoft.com/office/drawing/2014/main" id="{7B0C70E7-3220-46DA-8D25-F1A5145DFD3A}"/>
-              </a:ext>
-            </a:extLst>
-          </p:cNvPr>
-          <p:cNvSpPr>
-            <a:spLocks noGrp="1"/>
-          </p:cNvSpPr>
-          <p:nvPr>
-            <p:ph type="title"/>
-          </p:nvPr>
-        </p:nvSpPr>
-        <p:spPr/>
-        <p:txBody>
-          <a:bodyPr/>
-          <a:lstStyle/>
-          <a:p>
-            <a:r>
-              <a:rPr lang="en-US" dirty="0"/>
-              <a:t>Automation Demo</a:t>
-            </a:r>
-          </a:p>
-        </p:txBody>
-      </p:sp>
-    </p:spTree>
-    <p:extLst>
-      <p:ext uri="{BB962C8B-B14F-4D97-AF65-F5344CB8AC3E}">
-        <p14:creationId xmlns:p14="http://schemas.microsoft.com/office/powerpoint/2010/main" val="3877030009"/>
-      </p:ext>
-    </p:extLst>
-  </p:cSld>
-  <p:clrMapOvr>
-    <a:masterClrMapping/>
-  </p:clrMapOvr>
-</p:sld>
-</file>
-
-<file path=ppt/slides/slide17.xml><?xml version="1.0" encoding="utf-8"?>
-<p:sld xmlns:a="http://schemas.openxmlformats.org/drawingml/2006/main" xmlns:r="http://schemas.openxmlformats.org/officeDocument/2006/relationships" xmlns:p="http://schemas.openxmlformats.org/presentationml/2006/main">
-  <p:cSld>
-    <p:spTree>
-      <p:nvGrpSpPr>
-        <p:cNvPr id="1" name=""/>
-        <p:cNvGrpSpPr/>
-        <p:nvPr/>
-      </p:nvGrpSpPr>
-      <p:grpSpPr>
-        <a:xfrm>
-          <a:off x="0" y="0"/>
-          <a:ext cx="0" cy="0"/>
-          <a:chOff x="0" y="0"/>
-          <a:chExt cx="0" cy="0"/>
-        </a:xfrm>
-      </p:grpSpPr>
-      <p:sp>
-        <p:nvSpPr>
-          <p:cNvPr id="2" name="Title 1">
-            <a:extLst>
-              <a:ext uri="{FF2B5EF4-FFF2-40B4-BE49-F238E27FC236}">
-                <a16:creationId xmlns:a16="http://schemas.microsoft.com/office/drawing/2014/main" id="{70F4A275-53A3-4BE0-81C7-B02173357FDF}"/>
-              </a:ext>
-            </a:extLst>
-          </p:cNvPr>
-          <p:cNvSpPr>
-            <a:spLocks noGrp="1"/>
-          </p:cNvSpPr>
-          <p:nvPr>
-            <p:ph type="title"/>
-          </p:nvPr>
-        </p:nvSpPr>
-        <p:spPr/>
-        <p:txBody>
-          <a:bodyPr/>
-          <a:lstStyle/>
-          <a:p>
-            <a:r>
-              <a:rPr lang="en-US" dirty="0"/>
-              <a:t>What is GitHub?</a:t>
-            </a:r>
-          </a:p>
-        </p:txBody>
-      </p:sp>
-      <p:sp>
-        <p:nvSpPr>
-          <p:cNvPr id="3" name="Content Placeholder 2">
-            <a:extLst>
-              <a:ext uri="{FF2B5EF4-FFF2-40B4-BE49-F238E27FC236}">
-                <a16:creationId xmlns:a16="http://schemas.microsoft.com/office/drawing/2014/main" id="{57057281-9FE1-4EE0-8C5E-01D25B7D7840}"/>
-              </a:ext>
-            </a:extLst>
-          </p:cNvPr>
-          <p:cNvSpPr>
-            <a:spLocks noGrp="1"/>
-          </p:cNvSpPr>
-          <p:nvPr>
-            <p:ph sz="quarter" idx="10"/>
-          </p:nvPr>
-        </p:nvSpPr>
-        <p:spPr/>
-        <p:txBody>
-          <a:bodyPr/>
-          <a:lstStyle/>
-          <a:p>
-            <a:r>
-              <a:rPr lang="en-US" sz="2200" b="1" dirty="0"/>
-              <a:t>Git</a:t>
-            </a:r>
-            <a:r>
-              <a:rPr lang="en-US" sz="2200" dirty="0"/>
-              <a:t> is the most widely used modern version control system in the world today. Git is an actively maintained open-source project originally developed in 2005 by Linus Torvalds, the famous creator of the Linux operating system kernel. </a:t>
-            </a:r>
-            <a:endParaRPr lang="en-US" sz="2200" b="1" dirty="0"/>
-          </a:p>
-          <a:p>
-            <a:r>
-              <a:rPr lang="en-US" sz="2200" b="1" dirty="0"/>
-              <a:t>GitHub</a:t>
-            </a:r>
-            <a:r>
-              <a:rPr lang="en-US" sz="2200" dirty="0"/>
-              <a:t> is a code hosting platform for version control and collaboration. It lets you and others work together on projects from anywhere. </a:t>
-            </a:r>
-          </a:p>
-          <a:p>
-            <a:r>
-              <a:rPr lang="en-US" sz="2200" dirty="0"/>
-              <a:t>With a few simple commands you and your student can use GitHub is share and collect assignments.</a:t>
-            </a:r>
-          </a:p>
-          <a:p>
-            <a:r>
-              <a:rPr lang="en-US" sz="2200" dirty="0"/>
-              <a:t>Part 2: Code for our session today:</a:t>
-            </a:r>
-          </a:p>
-          <a:p>
-            <a:pPr marL="233345" lvl="1" indent="0">
-              <a:buNone/>
-            </a:pPr>
-            <a:r>
-              <a:rPr lang="en-US" sz="2400" b="1" dirty="0">
-                <a:latin typeface="Consolas" panose="020B0609020204030204" pitchFamily="49" charset="0"/>
-              </a:rPr>
-              <a:t>cisco@pcname:/mnt/c/Users/</a:t>
-            </a:r>
-            <a:r>
-              <a:rPr lang="en-US" sz="2400" b="1" i="1" dirty="0">
-                <a:latin typeface="Consolas" panose="020B0609020204030204" pitchFamily="49" charset="0"/>
-              </a:rPr>
-              <a:t>user</a:t>
-            </a:r>
-            <a:r>
-              <a:rPr lang="en-US" sz="2400" b="1" dirty="0">
-                <a:latin typeface="Consolas" panose="020B0609020204030204" pitchFamily="49" charset="0"/>
-              </a:rPr>
-              <a:t>$</a:t>
-            </a:r>
-          </a:p>
-          <a:p>
-            <a:pPr marL="227013" indent="0">
-              <a:buNone/>
-            </a:pPr>
-            <a:r>
-              <a:rPr lang="en-US" sz="3200" b="1" i="0" u="none" strike="noStrike" baseline="0" dirty="0">
-                <a:solidFill>
-                  <a:srgbClr val="C00000"/>
-                </a:solidFill>
-                <a:latin typeface="Consolas" panose="020B0609020204030204" pitchFamily="49" charset="0"/>
-              </a:rPr>
-              <a:t>git clone https://github.com/Scott4564/python.git</a:t>
-            </a:r>
-          </a:p>
-          <a:p>
-            <a:pPr marL="227013" indent="0">
-              <a:buNone/>
-            </a:pPr>
-            <a:r>
-              <a:rPr lang="en-US" sz="3200" b="1" dirty="0">
-                <a:solidFill>
-                  <a:srgbClr val="C00000"/>
-                </a:solidFill>
-                <a:latin typeface="Consolas" panose="020B0609020204030204" pitchFamily="49" charset="0"/>
-              </a:rPr>
-              <a:t>cd python</a:t>
-            </a:r>
-          </a:p>
-          <a:p>
-            <a:pPr marL="223822" lvl="1" indent="0">
-              <a:buNone/>
-            </a:pPr>
-            <a:r>
-              <a:rPr lang="en-US" sz="2400" b="1" dirty="0">
-                <a:latin typeface="Consolas" panose="020B0609020204030204" pitchFamily="49" charset="0"/>
-              </a:rPr>
-              <a:t>cisco@pcname:/mnt/c/Users/</a:t>
-            </a:r>
-            <a:r>
-              <a:rPr lang="en-US" sz="2400" b="1" i="1" dirty="0">
-                <a:latin typeface="Consolas" panose="020B0609020204030204" pitchFamily="49" charset="0"/>
-              </a:rPr>
-              <a:t>user</a:t>
-            </a:r>
-            <a:r>
-              <a:rPr lang="en-US" sz="2400" b="1" dirty="0">
-                <a:latin typeface="Consolas" panose="020B0609020204030204" pitchFamily="49" charset="0"/>
-              </a:rPr>
-              <a:t>/python$</a:t>
-            </a:r>
-          </a:p>
-        </p:txBody>
-      </p:sp>
-    </p:spTree>
-    <p:extLst>
-      <p:ext uri="{BB962C8B-B14F-4D97-AF65-F5344CB8AC3E}">
-        <p14:creationId xmlns:p14="http://schemas.microsoft.com/office/powerpoint/2010/main" val="294634973"/>
-      </p:ext>
-    </p:extLst>
-  </p:cSld>
-  <p:clrMapOvr>
-    <a:masterClrMapping/>
-  </p:clrMapOvr>
-</p:sld>
-</file>
-
 <file path=ppt/slides/slide18.xml><?xml version="1.0" encoding="utf-8"?>
 <p:sld xmlns:a="http://schemas.openxmlformats.org/drawingml/2006/main" xmlns:r="http://schemas.openxmlformats.org/officeDocument/2006/relationships" xmlns:p="http://schemas.openxmlformats.org/presentationml/2006/main">
   <p:cSld>
@@ -6288,10 +6256,83 @@
       </p:grpSpPr>
       <p:sp>
         <p:nvSpPr>
-          <p:cNvPr id="2" name="Title 1">
+          <p:cNvPr id="6" name="object 6"/>
+          <p:cNvSpPr txBox="1">
+            <a:spLocks noGrp="1"/>
+          </p:cNvSpPr>
+          <p:nvPr>
+            <p:ph type="title"/>
+          </p:nvPr>
+        </p:nvSpPr>
+        <p:spPr>
+          <a:xfrm>
+            <a:off x="426578" y="507284"/>
+            <a:ext cx="15418188" cy="574453"/>
+          </a:xfrm>
+          <a:prstGeom prst="rect">
+            <a:avLst/>
+          </a:prstGeom>
+        </p:spPr>
+        <p:txBody>
+          <a:bodyPr vert="horz" wrap="square" lIns="0" tIns="0" rIns="0" bIns="0" rtlCol="0">
+            <a:spAutoFit/>
+          </a:bodyPr>
+          <a:lstStyle/>
+          <a:p>
+            <a:pPr marL="16933">
+              <a:lnSpc>
+                <a:spcPct val="100000"/>
+              </a:lnSpc>
+            </a:pPr>
+            <a:r>
+              <a:rPr dirty="0">
+                <a:solidFill>
+                  <a:srgbClr val="005073"/>
+                </a:solidFill>
+              </a:rPr>
+              <a:t>Connecting </a:t>
+            </a:r>
+            <a:r>
+              <a:rPr spc="-7" dirty="0">
+                <a:solidFill>
+                  <a:srgbClr val="005073"/>
+                </a:solidFill>
+              </a:rPr>
+              <a:t>Existing </a:t>
+            </a:r>
+            <a:r>
+              <a:rPr dirty="0">
+                <a:solidFill>
+                  <a:srgbClr val="005073"/>
+                </a:solidFill>
+              </a:rPr>
+              <a:t>Roles using</a:t>
+            </a:r>
+            <a:r>
+              <a:rPr spc="-27" dirty="0">
+                <a:solidFill>
+                  <a:srgbClr val="005073"/>
+                </a:solidFill>
+              </a:rPr>
+              <a:t> </a:t>
+            </a:r>
+            <a:r>
+              <a:rPr dirty="0">
+                <a:solidFill>
+                  <a:srgbClr val="005073"/>
+                </a:solidFill>
+              </a:rPr>
+              <a:t>Code</a:t>
+            </a:r>
+          </a:p>
+        </p:txBody>
+      </p:sp>
+      <p:sp>
+        <p:nvSpPr>
+          <p:cNvPr id="16" name="Content Placeholder 15">
             <a:extLst>
               <a:ext uri="{FF2B5EF4-FFF2-40B4-BE49-F238E27FC236}">
-                <a16:creationId xmlns:a16="http://schemas.microsoft.com/office/drawing/2014/main" id="{A4E3E9D7-373A-42DF-B382-C70E7C6A7A4D}"/>
+                <a16:creationId xmlns:a16="http://schemas.microsoft.com/office/drawing/2014/main" id="{C39C9FBD-E806-4A79-B32A-BDD9E13743B4}"/>
               </a:ext>
             </a:extLst>
           </p:cNvPr>
@@ -6299,27 +6340,54 @@
             <a:spLocks noGrp="1"/>
           </p:cNvSpPr>
           <p:nvPr>
-            <p:ph type="title"/>
+            <p:ph sz="half" idx="1"/>
           </p:nvPr>
         </p:nvSpPr>
-        <p:spPr/>
+        <p:spPr>
+          <a:xfrm>
+            <a:off x="319932" y="2616201"/>
+            <a:ext cx="3626309" cy="4007255"/>
+          </a:xfrm>
+          <a:solidFill>
+            <a:srgbClr val="00B0F0"/>
+          </a:solidFill>
+        </p:spPr>
         <p:txBody>
           <a:bodyPr/>
           <a:lstStyle/>
           <a:p>
-            <a:r>
-              <a:rPr lang="en-US" dirty="0"/>
-              <a:t>Let's Practice</a:t>
-            </a:r>
+            <a:pPr marL="0" indent="0" algn="ctr">
+              <a:buNone/>
+            </a:pPr>
+            <a:r>
+              <a:rPr lang="en-US" sz="3200" spc="7" dirty="0">
+                <a:solidFill>
+                  <a:srgbClr val="FFFFFF"/>
+                </a:solidFill>
+                <a:latin typeface="Arial"/>
+                <a:cs typeface="Arial"/>
+              </a:rPr>
+              <a:t>Software Development</a:t>
+            </a:r>
+            <a:endParaRPr lang="en-US" sz="3200" dirty="0">
+              <a:latin typeface="Arial"/>
+              <a:cs typeface="Arial"/>
+            </a:endParaRPr>
+          </a:p>
+          <a:p>
+            <a:pPr marL="0" indent="0" algn="ctr">
+              <a:buNone/>
+            </a:pPr>
+            <a:endParaRPr lang="en-US" sz="3200" dirty="0"/>
           </a:p>
         </p:txBody>
       </p:sp>
       <p:sp>
         <p:nvSpPr>
-          <p:cNvPr id="3" name="Content Placeholder 2">
+          <p:cNvPr id="17" name="Content Placeholder 16">
             <a:extLst>
               <a:ext uri="{FF2B5EF4-FFF2-40B4-BE49-F238E27FC236}">
-                <a16:creationId xmlns:a16="http://schemas.microsoft.com/office/drawing/2014/main" id="{E5BAE35E-C319-4553-BF55-3FD9288598D9}"/>
+                <a16:creationId xmlns:a16="http://schemas.microsoft.com/office/drawing/2014/main" id="{10F6C940-74E3-499D-9DEA-03658226725E}"/>
               </a:ext>
             </a:extLst>
           </p:cNvPr>
@@ -6327,10 +6395,18 @@
             <a:spLocks noGrp="1"/>
           </p:cNvSpPr>
           <p:nvPr>
-            <p:ph sz="quarter" idx="10"/>
+            <p:ph sz="half" idx="2"/>
           </p:nvPr>
         </p:nvSpPr>
-        <p:spPr/>
+        <p:spPr>
+          <a:xfrm>
+            <a:off x="4300622" y="2616201"/>
+            <a:ext cx="3626309" cy="4007255"/>
+          </a:xfrm>
+          <a:solidFill>
+            <a:srgbClr val="FFC000"/>
+          </a:solidFill>
+        </p:spPr>
         <p:txBody>
           <a:bodyPr/>
           <a:lstStyle/>
@@ -6339,76 +6415,490 @@
               <a:buNone/>
             </a:pPr>
             <a:r>
-              <a:rPr lang="en-US" sz="9600" b="1" dirty="0"/>
-              <a:t>Demo</a:t>
-            </a:r>
-          </a:p>
+              <a:rPr lang="en-US" sz="3200" spc="7" dirty="0">
+                <a:solidFill>
+                  <a:srgbClr val="FFFFFF"/>
+                </a:solidFill>
+                <a:latin typeface="Arial"/>
+                <a:cs typeface="Arial"/>
+              </a:rPr>
+              <a:t>N</a:t>
+            </a:r>
+            <a:r>
+              <a:rPr lang="en-US" sz="3200" spc="-7" dirty="0">
+                <a:solidFill>
+                  <a:srgbClr val="FFFFFF"/>
+                </a:solidFill>
+                <a:latin typeface="Arial"/>
+                <a:cs typeface="Arial"/>
+              </a:rPr>
+              <a:t>e</a:t>
+            </a:r>
+            <a:r>
+              <a:rPr lang="en-US" sz="3200" spc="53" dirty="0">
+                <a:solidFill>
+                  <a:srgbClr val="FFFFFF"/>
+                </a:solidFill>
+                <a:latin typeface="Arial"/>
+                <a:cs typeface="Arial"/>
+              </a:rPr>
+              <a:t>t</a:t>
+            </a:r>
+            <a:r>
+              <a:rPr lang="en-US" sz="3200" spc="113" dirty="0">
+                <a:solidFill>
+                  <a:srgbClr val="FFFFFF"/>
+                </a:solidFill>
+                <a:latin typeface="Arial"/>
+                <a:cs typeface="Arial"/>
+              </a:rPr>
+              <a:t>w</a:t>
+            </a:r>
+            <a:r>
+              <a:rPr lang="en-US" sz="3200" spc="47" dirty="0">
+                <a:solidFill>
+                  <a:srgbClr val="FFFFFF"/>
+                </a:solidFill>
+                <a:latin typeface="Arial"/>
+                <a:cs typeface="Arial"/>
+              </a:rPr>
+              <a:t>o</a:t>
+            </a:r>
+            <a:r>
+              <a:rPr lang="en-US" sz="3200" spc="27" dirty="0">
+                <a:solidFill>
+                  <a:srgbClr val="FFFFFF"/>
+                </a:solidFill>
+                <a:latin typeface="Arial"/>
+                <a:cs typeface="Arial"/>
+              </a:rPr>
+              <a:t>r</a:t>
+            </a:r>
+            <a:r>
+              <a:rPr lang="en-US" sz="3200" spc="-40" dirty="0">
+                <a:solidFill>
+                  <a:srgbClr val="FFFFFF"/>
+                </a:solidFill>
+                <a:latin typeface="Arial"/>
+                <a:cs typeface="Arial"/>
+              </a:rPr>
+              <a:t>k</a:t>
+            </a:r>
+            <a:r>
+              <a:rPr lang="en-US" sz="3200" spc="-47" dirty="0">
+                <a:solidFill>
+                  <a:srgbClr val="FFFFFF"/>
+                </a:solidFill>
+                <a:latin typeface="Arial"/>
+                <a:cs typeface="Arial"/>
+              </a:rPr>
+              <a:t>i</a:t>
+            </a:r>
+            <a:r>
+              <a:rPr lang="en-US" sz="3200" spc="-27" dirty="0">
+                <a:solidFill>
+                  <a:srgbClr val="FFFFFF"/>
+                </a:solidFill>
+                <a:latin typeface="Arial"/>
+                <a:cs typeface="Arial"/>
+              </a:rPr>
+              <a:t>n</a:t>
+            </a:r>
+            <a:r>
+              <a:rPr lang="en-US" sz="3200" spc="60" dirty="0">
+                <a:solidFill>
+                  <a:srgbClr val="FFFFFF"/>
+                </a:solidFill>
+                <a:latin typeface="Arial"/>
+                <a:cs typeface="Arial"/>
+              </a:rPr>
+              <a:t>g Engineering</a:t>
+            </a:r>
+            <a:endParaRPr lang="en-US" sz="3200" dirty="0">
+              <a:latin typeface="Arial"/>
+              <a:cs typeface="Arial"/>
+            </a:endParaRPr>
+          </a:p>
+        </p:txBody>
+      </p:sp>
+      <p:sp>
+        <p:nvSpPr>
+          <p:cNvPr id="18" name="Content Placeholder 17">
+            <a:extLst>
+              <a:ext uri="{FF2B5EF4-FFF2-40B4-BE49-F238E27FC236}">
+                <a16:creationId xmlns:a16="http://schemas.microsoft.com/office/drawing/2014/main" id="{26D10070-2C0D-483A-B684-166FCE26F201}"/>
+              </a:ext>
+            </a:extLst>
+          </p:cNvPr>
+          <p:cNvSpPr>
+            <a:spLocks noGrp="1"/>
+          </p:cNvSpPr>
+          <p:nvPr>
+            <p:ph sz="half" idx="10"/>
+          </p:nvPr>
+        </p:nvSpPr>
+        <p:spPr>
+          <a:xfrm>
+            <a:off x="8257264" y="2616201"/>
+            <a:ext cx="3626309" cy="4007255"/>
+          </a:xfrm>
+          <a:solidFill>
+            <a:srgbClr val="00B050"/>
+          </a:solidFill>
+        </p:spPr>
+        <p:txBody>
+          <a:bodyPr/>
+          <a:lstStyle/>
           <a:p>
             <a:pPr marL="0" indent="0" algn="ctr">
               <a:buNone/>
             </a:pPr>
             <a:r>
-              <a:rPr lang="en-US" sz="3600" b="1" dirty="0"/>
-              <a:t>Part 3 – 5 minutes</a:t>
-            </a:r>
-          </a:p>
-          <a:p>
-            <a:pPr marL="0" indent="0" algn="ctr">
-              <a:buNone/>
-            </a:pPr>
-            <a:r>
-              <a:rPr lang="en-US" sz="3600" b="1" dirty="0"/>
-              <a:t>Part 4 – 10 minutes</a:t>
-            </a:r>
-          </a:p>
-          <a:p>
-            <a:pPr marL="0" indent="0" algn="ctr">
-              <a:buNone/>
-            </a:pPr>
-            <a:r>
-              <a:rPr lang="en-US" sz="3600" b="1" dirty="0"/>
-              <a:t>Part 5 – 10 minutes</a:t>
-            </a:r>
-          </a:p>
-          <a:p>
-            <a:pPr marL="0" indent="0" algn="ctr">
-              <a:buNone/>
-            </a:pPr>
-            <a:r>
-              <a:rPr lang="en-US" sz="3600" b="1" dirty="0"/>
-              <a:t>Part 6 – 15 minutes</a:t>
-            </a:r>
-          </a:p>
-          <a:p>
-            <a:pPr marL="0" indent="0" algn="ctr">
-              <a:buNone/>
-            </a:pPr>
-            <a:r>
-              <a:rPr lang="en-US" sz="3600" b="1" dirty="0"/>
-              <a:t>Part 7 – 20 minutes</a:t>
-            </a:r>
-          </a:p>
-          <a:p>
-            <a:pPr marL="0" indent="0" algn="ctr">
-              <a:buNone/>
-            </a:pPr>
-            <a:r>
-              <a:rPr lang="en-US" sz="2400" b="1" dirty="0"/>
-              <a:t>Total – 60 minutes</a:t>
-            </a:r>
+              <a:rPr lang="en-US" sz="3200" spc="-167" dirty="0">
+                <a:solidFill>
+                  <a:srgbClr val="FFFFFF"/>
+                </a:solidFill>
+                <a:latin typeface="Arial"/>
+                <a:cs typeface="Arial"/>
+              </a:rPr>
+              <a:t>I</a:t>
+            </a:r>
+            <a:r>
+              <a:rPr lang="en-US" sz="3200" spc="-27" dirty="0">
+                <a:solidFill>
+                  <a:srgbClr val="FFFFFF"/>
+                </a:solidFill>
+                <a:latin typeface="Arial"/>
+                <a:cs typeface="Arial"/>
+              </a:rPr>
+              <a:t>n</a:t>
+            </a:r>
+            <a:r>
+              <a:rPr lang="en-US" sz="3200" spc="33" dirty="0">
+                <a:solidFill>
+                  <a:srgbClr val="FFFFFF"/>
+                </a:solidFill>
+                <a:latin typeface="Arial"/>
+                <a:cs typeface="Arial"/>
+              </a:rPr>
+              <a:t>f</a:t>
+            </a:r>
+            <a:r>
+              <a:rPr lang="en-US" sz="3200" spc="47" dirty="0">
+                <a:solidFill>
+                  <a:srgbClr val="FFFFFF"/>
+                </a:solidFill>
+                <a:latin typeface="Arial"/>
+                <a:cs typeface="Arial"/>
+              </a:rPr>
+              <a:t>r</a:t>
+            </a:r>
+            <a:r>
+              <a:rPr lang="en-US" sz="3200" spc="-73" dirty="0">
+                <a:solidFill>
+                  <a:srgbClr val="FFFFFF"/>
+                </a:solidFill>
+                <a:latin typeface="Arial"/>
+                <a:cs typeface="Arial"/>
+              </a:rPr>
+              <a:t>a</a:t>
+            </a:r>
+            <a:r>
+              <a:rPr lang="en-US" sz="3200" spc="-7" dirty="0">
+                <a:solidFill>
+                  <a:srgbClr val="FFFFFF"/>
+                </a:solidFill>
+                <a:latin typeface="Arial"/>
+                <a:cs typeface="Arial"/>
+              </a:rPr>
+              <a:t>s</a:t>
+            </a:r>
+            <a:r>
+              <a:rPr lang="en-US" sz="3200" spc="53" dirty="0">
+                <a:solidFill>
+                  <a:srgbClr val="FFFFFF"/>
+                </a:solidFill>
+                <a:latin typeface="Arial"/>
+                <a:cs typeface="Arial"/>
+              </a:rPr>
+              <a:t>t</a:t>
+            </a:r>
+            <a:r>
+              <a:rPr lang="en-US" sz="3200" spc="27" dirty="0">
+                <a:solidFill>
+                  <a:srgbClr val="FFFFFF"/>
+                </a:solidFill>
+                <a:latin typeface="Arial"/>
+                <a:cs typeface="Arial"/>
+              </a:rPr>
+              <a:t>r</a:t>
+            </a:r>
+            <a:r>
+              <a:rPr lang="en-US" sz="3200" spc="-27" dirty="0">
+                <a:solidFill>
+                  <a:srgbClr val="FFFFFF"/>
+                </a:solidFill>
+                <a:latin typeface="Arial"/>
+                <a:cs typeface="Arial"/>
+              </a:rPr>
+              <a:t>u</a:t>
+            </a:r>
+            <a:r>
+              <a:rPr lang="en-US" sz="3200" spc="100" dirty="0">
+                <a:solidFill>
+                  <a:srgbClr val="FFFFFF"/>
+                </a:solidFill>
+                <a:latin typeface="Arial"/>
+                <a:cs typeface="Arial"/>
+              </a:rPr>
+              <a:t>c</a:t>
+            </a:r>
+            <a:r>
+              <a:rPr lang="en-US" sz="3200" spc="53" dirty="0">
+                <a:solidFill>
+                  <a:srgbClr val="FFFFFF"/>
+                </a:solidFill>
+                <a:latin typeface="Arial"/>
+                <a:cs typeface="Arial"/>
+              </a:rPr>
+              <a:t>t</a:t>
+            </a:r>
+            <a:r>
+              <a:rPr lang="en-US" sz="3200" spc="-27" dirty="0">
+                <a:solidFill>
+                  <a:srgbClr val="FFFFFF"/>
+                </a:solidFill>
+                <a:latin typeface="Arial"/>
+                <a:cs typeface="Arial"/>
+              </a:rPr>
+              <a:t>u</a:t>
+            </a:r>
+            <a:r>
+              <a:rPr lang="en-US" sz="3200" spc="27" dirty="0">
+                <a:solidFill>
+                  <a:srgbClr val="FFFFFF"/>
+                </a:solidFill>
+                <a:latin typeface="Arial"/>
+                <a:cs typeface="Arial"/>
+              </a:rPr>
+              <a:t>r</a:t>
+            </a:r>
+            <a:r>
+              <a:rPr lang="en-US" sz="3200" spc="20" dirty="0">
+                <a:solidFill>
+                  <a:srgbClr val="FFFFFF"/>
+                </a:solidFill>
+                <a:latin typeface="Arial"/>
+                <a:cs typeface="Arial"/>
+              </a:rPr>
+              <a:t>e  </a:t>
+            </a:r>
+            <a:r>
+              <a:rPr lang="en-US" sz="3200" spc="7" dirty="0">
+                <a:solidFill>
+                  <a:srgbClr val="FFFFFF"/>
+                </a:solidFill>
+                <a:latin typeface="Arial"/>
+                <a:cs typeface="Arial"/>
+              </a:rPr>
+              <a:t>Automation</a:t>
+            </a:r>
+            <a:endParaRPr lang="en-US" sz="3200" dirty="0">
+              <a:latin typeface="Arial"/>
+              <a:cs typeface="Arial"/>
+            </a:endParaRPr>
           </a:p>
         </p:txBody>
       </p:sp>
+      <p:sp>
+        <p:nvSpPr>
+          <p:cNvPr id="7" name="object 7"/>
+          <p:cNvSpPr/>
+          <p:nvPr/>
+        </p:nvSpPr>
+        <p:spPr>
+          <a:xfrm>
+            <a:off x="666497" y="3932936"/>
+            <a:ext cx="2479039" cy="2442464"/>
+          </a:xfrm>
+          <a:prstGeom prst="rect">
+            <a:avLst/>
+          </a:prstGeom>
+          <a:blipFill>
+            <a:blip r:embed="rId2" cstate="print"/>
+            <a:stretch>
+              <a:fillRect/>
+            </a:stretch>
+          </a:blipFill>
+        </p:spPr>
+        <p:txBody>
+          <a:bodyPr wrap="square" lIns="0" tIns="0" rIns="0" bIns="0" rtlCol="0"/>
+          <a:lstStyle/>
+          <a:p>
+            <a:endParaRPr dirty="0"/>
+          </a:p>
+        </p:txBody>
+      </p:sp>
+      <p:sp>
+        <p:nvSpPr>
+          <p:cNvPr id="8" name="object 8"/>
+          <p:cNvSpPr/>
+          <p:nvPr/>
+        </p:nvSpPr>
+        <p:spPr>
+          <a:xfrm>
+            <a:off x="4876801" y="3892295"/>
+            <a:ext cx="2426207" cy="2442464"/>
+          </a:xfrm>
+          <a:prstGeom prst="rect">
+            <a:avLst/>
+          </a:prstGeom>
+          <a:blipFill>
+            <a:blip r:embed="rId3" cstate="print"/>
+            <a:stretch>
+              <a:fillRect/>
+            </a:stretch>
+          </a:blipFill>
+        </p:spPr>
+        <p:txBody>
+          <a:bodyPr wrap="square" lIns="0" tIns="0" rIns="0" bIns="0" rtlCol="0"/>
+          <a:lstStyle/>
+          <a:p>
+            <a:endParaRPr dirty="0"/>
+          </a:p>
+        </p:txBody>
+      </p:sp>
+      <p:sp>
+        <p:nvSpPr>
+          <p:cNvPr id="12" name="object 12"/>
+          <p:cNvSpPr/>
+          <p:nvPr/>
+        </p:nvSpPr>
+        <p:spPr>
+          <a:xfrm>
+            <a:off x="8835136" y="3932936"/>
+            <a:ext cx="2442464" cy="2442464"/>
+          </a:xfrm>
+          <a:prstGeom prst="rect">
+            <a:avLst/>
+          </a:prstGeom>
+          <a:blipFill>
+            <a:blip r:embed="rId4" cstate="print"/>
+            <a:stretch>
+              <a:fillRect/>
+            </a:stretch>
+          </a:blipFill>
+        </p:spPr>
+        <p:txBody>
+          <a:bodyPr wrap="square" lIns="0" tIns="0" rIns="0" bIns="0" rtlCol="0"/>
+          <a:lstStyle/>
+          <a:p>
+            <a:endParaRPr dirty="0"/>
+          </a:p>
+        </p:txBody>
+      </p:sp>
+      <p:sp>
+        <p:nvSpPr>
+          <p:cNvPr id="2" name="TextBox 1">
+            <a:extLst>
+              <a:ext uri="{FF2B5EF4-FFF2-40B4-BE49-F238E27FC236}">
+                <a16:creationId xmlns:a16="http://schemas.microsoft.com/office/drawing/2014/main" id="{4F14B47A-0D1F-4EE3-A106-7CCBC021D7BA}"/>
+              </a:ext>
+            </a:extLst>
+          </p:cNvPr>
+          <p:cNvSpPr txBox="1"/>
+          <p:nvPr/>
+        </p:nvSpPr>
+        <p:spPr>
+          <a:xfrm>
+            <a:off x="203201" y="1141379"/>
+            <a:ext cx="11563641" cy="1200329"/>
+          </a:xfrm>
+          <a:prstGeom prst="rect">
+            <a:avLst/>
+          </a:prstGeom>
+          <a:noFill/>
+        </p:spPr>
+        <p:txBody>
+          <a:bodyPr wrap="square" rtlCol="0">
+            <a:spAutoFit/>
+          </a:bodyPr>
+          <a:lstStyle/>
+          <a:p>
+            <a:r>
+              <a:rPr lang="en-US" sz="2400" dirty="0"/>
+              <a:t>What is DevNet?</a:t>
+            </a:r>
+          </a:p>
+          <a:p>
+            <a:pPr marL="304792">
+              <a:buClr>
+                <a:schemeClr val="accent5">
+                  <a:lumMod val="60000"/>
+                  <a:lumOff val="40000"/>
+                </a:schemeClr>
+              </a:buClr>
+            </a:pPr>
+            <a:r>
+              <a:rPr lang="en-US" sz="2400" dirty="0"/>
+              <a:t>DevNet combines the skills needed for software development, network engineering, and network and infrastructure automation.</a:t>
+            </a:r>
+          </a:p>
+        </p:txBody>
+      </p:sp>
+      <p:pic>
+        <p:nvPicPr>
+          <p:cNvPr id="5" name="Picture 4" descr="A picture containing object, clock&#10;&#10;Description automatically generated">
+            <a:extLst>
+              <a:ext uri="{FF2B5EF4-FFF2-40B4-BE49-F238E27FC236}">
+                <a16:creationId xmlns:a16="http://schemas.microsoft.com/office/drawing/2014/main" id="{9B65A2CB-04E2-4F38-8212-62881A52DFC7}"/>
+              </a:ext>
+            </a:extLst>
+          </p:cNvPr>
+          <p:cNvPicPr>
+            <a:picLocks noChangeAspect="1"/>
+          </p:cNvPicPr>
+          <p:nvPr/>
+        </p:nvPicPr>
+        <p:blipFill>
+          <a:blip r:embed="rId5">
+            <a:extLst>
+              <a:ext uri="{28A0092B-C50C-407E-A947-70E740481C1C}">
+                <a14:useLocalDpi xmlns:a14="http://schemas.microsoft.com/office/drawing/2010/main" val="0"/>
+              </a:ext>
+            </a:extLst>
+          </a:blip>
+          <a:stretch>
+            <a:fillRect/>
+          </a:stretch>
+        </p:blipFill>
+        <p:spPr>
+          <a:xfrm>
+            <a:off x="4873475" y="3912615"/>
+            <a:ext cx="2401823" cy="2401823"/>
+          </a:xfrm>
+          <a:prstGeom prst="rect">
+            <a:avLst/>
+          </a:prstGeom>
+        </p:spPr>
+      </p:pic>
     </p:spTree>
-    <p:extLst>
-      <p:ext uri="{BB962C8B-B14F-4D97-AF65-F5344CB8AC3E}">
-        <p14:creationId xmlns:p14="http://schemas.microsoft.com/office/powerpoint/2010/main" val="1170711811"/>
-      </p:ext>
-    </p:extLst>
   </p:cSld>
   <p:clrMapOvr>
     <a:masterClrMapping/>
   </p:clrMapOvr>
+  <mc:AlternateContent xmlns:mc="http://schemas.openxmlformats.org/markup-compatibility/2006" xmlns:p14="http://schemas.microsoft.com/office/powerpoint/2010/main">
+    <mc:Choice Requires="p14">
+      <p:transition spd="med" p14:dur="700">
+        <p:fade/>
+      </p:transition>
+    </mc:Choice>
+    <mc:Fallback xmlns="">
+      <p:transition spd="med">
+        <p:fade/>
+      </p:transition>
+    </mc:Fallback>
+  </mc:AlternateContent>
 </p:sld>
 </file>
 
@@ -6431,14 +6921,8 @@
       </p:grpSpPr>
       <p:sp>
         <p:nvSpPr>
-          <p:cNvPr id="2" name="Title 1">
-            <a:extLst>
-              <a:ext uri="{FF2B5EF4-FFF2-40B4-BE49-F238E27FC236}">
-                <a16:creationId xmlns:a16="http://schemas.microsoft.com/office/drawing/2014/main" id="{ED082C6C-4572-40A4-9F0B-D08EBBBC06D9}"/>
-              </a:ext>
-            </a:extLst>
-          </p:cNvPr>
-          <p:cNvSpPr>
+          <p:cNvPr id="4" name="object 4"/>
+          <p:cNvSpPr txBox="1">
             <a:spLocks noGrp="1"/>
           </p:cNvSpPr>
           <p:nvPr>
@@ -6452,95 +6936,914 @@
           <a:p>
             <a:r>
               <a:rPr lang="en-US" dirty="0"/>
-              <a:t>What is a Network Controller?</a:t>
+              <a:t>DevNet</a:t>
             </a:r>
           </a:p>
         </p:txBody>
       </p:sp>
-      <p:sp>
-        <p:nvSpPr>
-          <p:cNvPr id="3" name="Content Placeholder 2">
+      <p:graphicFrame>
+        <p:nvGraphicFramePr>
+          <p:cNvPr id="19" name="object 6">
             <a:extLst>
               <a:ext uri="{FF2B5EF4-FFF2-40B4-BE49-F238E27FC236}">
-                <a16:creationId xmlns:a16="http://schemas.microsoft.com/office/drawing/2014/main" id="{C08C8CC4-F637-46E4-B13F-D98EA198DAF7}"/>
+                <a16:creationId xmlns:a16="http://schemas.microsoft.com/office/drawing/2014/main" id="{FAD04975-915A-428E-B16F-3E56C5E06237}"/>
               </a:ext>
             </a:extLst>
           </p:cNvPr>
-          <p:cNvSpPr>
-            <a:spLocks noGrp="1"/>
-          </p:cNvSpPr>
+          <p:cNvGraphicFramePr>
+            <a:graphicFrameLocks noGrp="1"/>
+          </p:cNvGraphicFramePr>
           <p:nvPr>
             <p:ph sz="quarter" idx="10"/>
+            <p:extLst>
+              <p:ext uri="{D42A27DB-BD31-4B8C-83A1-F6EECF244321}">
+                <p14:modId xmlns:p14="http://schemas.microsoft.com/office/powerpoint/2010/main" val="3669957989"/>
+              </p:ext>
+            </p:extLst>
           </p:nvPr>
-        </p:nvSpPr>
-        <p:spPr/>
-        <p:txBody>
-          <a:bodyPr/>
-          <a:lstStyle/>
-          <a:p>
-            <a:r>
-              <a:rPr lang="en-US" sz="2200" dirty="0"/>
-              <a:t>A </a:t>
-            </a:r>
-            <a:r>
-              <a:rPr lang="en-US" sz="2200" b="1" dirty="0"/>
-              <a:t>network controller </a:t>
-            </a:r>
-            <a:r>
-              <a:rPr lang="en-US" sz="2200" dirty="0"/>
-              <a:t>is a software that orchestrates network functions. It serves as an intermediary between the business and the network infrastructure. The organization enters their desired business objectives into the controller which in turn sets up the network to deliver on those objectives. Network controllers do their jobs by:</a:t>
-            </a:r>
-          </a:p>
-          <a:p>
-            <a:pPr lvl="1"/>
-            <a:r>
-              <a:rPr lang="en-US" sz="2200" b="1" dirty="0"/>
-              <a:t>Maintaining an inventory of devices in the network and their status</a:t>
-            </a:r>
-          </a:p>
-          <a:p>
-            <a:pPr lvl="1"/>
-            <a:r>
-              <a:rPr lang="en-US" sz="2200" dirty="0"/>
-              <a:t>Automating device operations such as configurations and image updates</a:t>
-            </a:r>
-          </a:p>
-          <a:p>
-            <a:pPr lvl="1"/>
-            <a:r>
-              <a:rPr lang="en-US" sz="2200" dirty="0"/>
-              <a:t>Analyzing network operations, identifying potential issues, and suggesting remediations</a:t>
-            </a:r>
-          </a:p>
-          <a:p>
-            <a:pPr lvl="1"/>
-            <a:r>
-              <a:rPr lang="en-US" sz="2200" dirty="0"/>
-              <a:t>Providing a platform for integration with other applications such as reporting systems</a:t>
-            </a:r>
-          </a:p>
-          <a:p>
-            <a:pPr lvl="1"/>
-            <a:r>
-              <a:rPr lang="en-US" sz="2200" dirty="0"/>
-              <a:t>A network controller manages and orchestrates all aspects of a network making sure that it is operating flawlessly and delivering on business objectives. To better understand the role of such controllers, consider how network management has evolved.</a:t>
-            </a:r>
-          </a:p>
-          <a:p>
-            <a:endParaRPr lang="en-US" sz="2200" dirty="0"/>
-          </a:p>
-        </p:txBody>
-      </p:sp>
+        </p:nvGraphicFramePr>
+        <p:xfrm>
+          <a:off x="827028" y="1029016"/>
+          <a:ext cx="10537944" cy="5453085"/>
+        </p:xfrm>
+        <a:graphic>
+          <a:graphicData uri="http://schemas.openxmlformats.org/drawingml/2006/table">
+            <a:tbl>
+              <a:tblPr firstRow="1" bandRow="1">
+                <a:tableStyleId>{FABFCF23-3B69-468F-B69F-88F6DE6A72F2}</a:tableStyleId>
+              </a:tblPr>
+              <a:tblGrid>
+                <a:gridCol w="4716091">
+                  <a:extLst>
+                    <a:ext uri="{9D8B030D-6E8A-4147-A177-3AD203B41FA5}">
+                      <a16:colId xmlns:a16="http://schemas.microsoft.com/office/drawing/2014/main" val="20000"/>
+                    </a:ext>
+                  </a:extLst>
+                </a:gridCol>
+                <a:gridCol w="5821853">
+                  <a:extLst>
+                    <a:ext uri="{9D8B030D-6E8A-4147-A177-3AD203B41FA5}">
+                      <a16:colId xmlns:a16="http://schemas.microsoft.com/office/drawing/2014/main" val="20001"/>
+                    </a:ext>
+                  </a:extLst>
+                </a:gridCol>
+              </a:tblGrid>
+              <a:tr h="476249">
+                <a:tc>
+                  <a:txBody>
+                    <a:bodyPr/>
+                    <a:lstStyle/>
+                    <a:p>
+                      <a:pPr algn="ctr">
+                        <a:lnSpc>
+                          <a:spcPct val="100000"/>
+                        </a:lnSpc>
+                        <a:spcBef>
+                          <a:spcPts val="0"/>
+                        </a:spcBef>
+                        <a:spcAft>
+                          <a:spcPts val="300"/>
+                        </a:spcAft>
+                      </a:pPr>
+                      <a:r>
+                        <a:rPr sz="2000" kern="0" spc="0" baseline="0" dirty="0">
+                          <a:solidFill>
+                            <a:srgbClr val="FFFFFF"/>
+                          </a:solidFill>
+                        </a:rPr>
+                        <a:t>Module Title</a:t>
+                      </a:r>
+                      <a:endParaRPr sz="2000" kern="0" spc="0" baseline="0" dirty="0">
+                        <a:latin typeface="Arial"/>
+                        <a:cs typeface="Arial"/>
+                      </a:endParaRPr>
+                    </a:p>
+                  </a:txBody>
+                  <a:tcPr marL="0" marR="0" marT="93133" marB="0"/>
+                </a:tc>
+                <a:tc>
+                  <a:txBody>
+                    <a:bodyPr/>
+                    <a:lstStyle/>
+                    <a:p>
+                      <a:pPr algn="ctr">
+                        <a:lnSpc>
+                          <a:spcPct val="100000"/>
+                        </a:lnSpc>
+                        <a:spcBef>
+                          <a:spcPts val="0"/>
+                        </a:spcBef>
+                        <a:spcAft>
+                          <a:spcPts val="300"/>
+                        </a:spcAft>
+                      </a:pPr>
+                      <a:r>
+                        <a:rPr lang="en-US" sz="2000" kern="0" spc="0" baseline="0" dirty="0">
+                          <a:solidFill>
+                            <a:srgbClr val="FFFFFF"/>
+                          </a:solidFill>
+                        </a:rPr>
+                        <a:t>Software</a:t>
+                      </a:r>
+                      <a:endParaRPr sz="2000" kern="0" spc="0" baseline="0" dirty="0">
+                        <a:latin typeface="Arial"/>
+                        <a:cs typeface="Arial"/>
+                      </a:endParaRPr>
+                    </a:p>
+                  </a:txBody>
+                  <a:tcPr marL="0" marR="0" marT="93133" marB="0"/>
+                </a:tc>
+                <a:extLst>
+                  <a:ext uri="{0D108BD9-81ED-4DB2-BD59-A6C34878D82A}">
+                    <a16:rowId xmlns:a16="http://schemas.microsoft.com/office/drawing/2014/main" val="10000"/>
+                  </a:ext>
+                </a:extLst>
+              </a:tr>
+              <a:tr h="573192">
+                <a:tc>
+                  <a:txBody>
+                    <a:bodyPr/>
+                    <a:lstStyle/>
+                    <a:p>
+                      <a:pPr marL="84455">
+                        <a:lnSpc>
+                          <a:spcPct val="100000"/>
+                        </a:lnSpc>
+                        <a:spcBef>
+                          <a:spcPts val="0"/>
+                        </a:spcBef>
+                        <a:spcAft>
+                          <a:spcPts val="300"/>
+                        </a:spcAft>
+                      </a:pPr>
+                      <a:r>
+                        <a:rPr lang="en-US" sz="2000" kern="0" spc="0" baseline="0" dirty="0">
+                          <a:solidFill>
+                            <a:schemeClr val="tx1"/>
+                          </a:solidFill>
+                        </a:rPr>
+                        <a:t>1. </a:t>
+                      </a:r>
+                      <a:r>
+                        <a:rPr sz="2000" kern="0" spc="0" baseline="0" dirty="0">
+                          <a:solidFill>
+                            <a:schemeClr val="tx1"/>
+                          </a:solidFill>
+                        </a:rPr>
+                        <a:t>Course Introduction</a:t>
+                      </a:r>
+                      <a:endParaRPr sz="2000" kern="0" spc="0" baseline="0" dirty="0">
+                        <a:solidFill>
+                          <a:schemeClr val="tx1"/>
+                        </a:solidFill>
+                        <a:latin typeface="Arial"/>
+                        <a:cs typeface="Arial"/>
+                      </a:endParaRPr>
+                    </a:p>
+                  </a:txBody>
+                  <a:tcPr marL="0" marR="0" marT="105833" marB="0" anchor="ctr"/>
+                </a:tc>
+                <a:tc>
+                  <a:txBody>
+                    <a:bodyPr/>
+                    <a:lstStyle/>
+                    <a:p>
+                      <a:pPr marL="173038" indent="-115888">
+                        <a:lnSpc>
+                          <a:spcPct val="100000"/>
+                        </a:lnSpc>
+                        <a:spcBef>
+                          <a:spcPts val="0"/>
+                        </a:spcBef>
+                        <a:spcAft>
+                          <a:spcPts val="300"/>
+                        </a:spcAft>
+                        <a:buClr>
+                          <a:srgbClr val="949494"/>
+                        </a:buClr>
+                        <a:buFont typeface="Arial" panose="020B0604020202020204" pitchFamily="34" charset="0"/>
+                        <a:buChar char="•"/>
+                        <a:tabLst/>
+                      </a:pPr>
+                      <a:r>
+                        <a:rPr lang="en-US" sz="2000" kern="0" spc="0" baseline="0" dirty="0">
+                          <a:solidFill>
+                            <a:schemeClr val="tx1"/>
+                          </a:solidFill>
+                        </a:rPr>
+                        <a:t>Linux</a:t>
+                      </a:r>
+                      <a:endParaRPr sz="2000" kern="0" spc="0" baseline="0" dirty="0">
+                        <a:solidFill>
+                          <a:schemeClr val="tx1"/>
+                        </a:solidFill>
+                        <a:latin typeface="Arial"/>
+                        <a:cs typeface="Arial"/>
+                      </a:endParaRPr>
+                    </a:p>
+                  </a:txBody>
+                  <a:tcPr marL="0" marR="0" marT="34712" marB="0" anchor="ctr"/>
+                </a:tc>
+                <a:extLst>
+                  <a:ext uri="{0D108BD9-81ED-4DB2-BD59-A6C34878D82A}">
+                    <a16:rowId xmlns:a16="http://schemas.microsoft.com/office/drawing/2014/main" val="10001"/>
+                  </a:ext>
+                </a:extLst>
+              </a:tr>
+              <a:tr h="494453">
+                <a:tc>
+                  <a:txBody>
+                    <a:bodyPr/>
+                    <a:lstStyle/>
+                    <a:p>
+                      <a:pPr marL="84455">
+                        <a:lnSpc>
+                          <a:spcPct val="100000"/>
+                        </a:lnSpc>
+                        <a:spcBef>
+                          <a:spcPts val="0"/>
+                        </a:spcBef>
+                        <a:spcAft>
+                          <a:spcPts val="300"/>
+                        </a:spcAft>
+                      </a:pPr>
+                      <a:r>
+                        <a:rPr lang="en-US" sz="2000" kern="0" spc="0" baseline="0" dirty="0">
+                          <a:solidFill>
+                            <a:schemeClr val="tx1"/>
+                          </a:solidFill>
+                        </a:rPr>
+                        <a:t>2. </a:t>
+                      </a:r>
+                      <a:r>
+                        <a:rPr sz="2000" kern="0" spc="0" baseline="0" dirty="0">
+                          <a:solidFill>
+                            <a:schemeClr val="tx1"/>
+                          </a:solidFill>
+                        </a:rPr>
+                        <a:t>The DevNet Developer Environment</a:t>
+                      </a:r>
+                      <a:endParaRPr sz="2000" kern="0" spc="0" baseline="0" dirty="0">
+                        <a:solidFill>
+                          <a:schemeClr val="tx1"/>
+                        </a:solidFill>
+                        <a:latin typeface="Arial"/>
+                        <a:cs typeface="Arial"/>
+                      </a:endParaRPr>
+                    </a:p>
+                  </a:txBody>
+                  <a:tcPr marL="0" marR="0" marT="81280" marB="0" anchor="ctr"/>
+                </a:tc>
+                <a:tc>
+                  <a:txBody>
+                    <a:bodyPr/>
+                    <a:lstStyle/>
+                    <a:p>
+                      <a:pPr marL="173038" indent="-117475">
+                        <a:lnSpc>
+                          <a:spcPct val="100000"/>
+                        </a:lnSpc>
+                        <a:spcBef>
+                          <a:spcPts val="0"/>
+                        </a:spcBef>
+                        <a:spcAft>
+                          <a:spcPts val="300"/>
+                        </a:spcAft>
+                        <a:buClr>
+                          <a:srgbClr val="949494"/>
+                        </a:buClr>
+                        <a:buFont typeface="Arial" panose="020B0604020202020204" pitchFamily="34" charset="0"/>
+                        <a:buChar char="•"/>
+                        <a:tabLst/>
+                      </a:pPr>
+                      <a:r>
+                        <a:rPr lang="en-US" sz="2000" kern="0" spc="0" baseline="0" dirty="0" err="1">
+                          <a:solidFill>
+                            <a:schemeClr val="tx1"/>
+                          </a:solidFill>
+                        </a:rPr>
+                        <a:t>GibHub</a:t>
+                      </a:r>
+                      <a:endParaRPr sz="2000" kern="0" spc="0" baseline="0" dirty="0">
+                        <a:solidFill>
+                          <a:schemeClr val="tx1"/>
+                        </a:solidFill>
+                        <a:latin typeface="Arial"/>
+                        <a:cs typeface="Arial"/>
+                      </a:endParaRPr>
+                    </a:p>
+                  </a:txBody>
+                  <a:tcPr marL="0" marR="0" marT="115993" marB="0" anchor="ctr"/>
+                </a:tc>
+                <a:extLst>
+                  <a:ext uri="{0D108BD9-81ED-4DB2-BD59-A6C34878D82A}">
+                    <a16:rowId xmlns:a16="http://schemas.microsoft.com/office/drawing/2014/main" val="10002"/>
+                  </a:ext>
+                </a:extLst>
+              </a:tr>
+              <a:tr h="494453">
+                <a:tc>
+                  <a:txBody>
+                    <a:bodyPr/>
+                    <a:lstStyle/>
+                    <a:p>
+                      <a:pPr marL="84455">
+                        <a:lnSpc>
+                          <a:spcPct val="100000"/>
+                        </a:lnSpc>
+                        <a:spcBef>
+                          <a:spcPts val="0"/>
+                        </a:spcBef>
+                        <a:spcAft>
+                          <a:spcPts val="300"/>
+                        </a:spcAft>
+                      </a:pPr>
+                      <a:r>
+                        <a:rPr lang="en-US" sz="2000" kern="0" spc="0" baseline="0" dirty="0">
+                          <a:solidFill>
+                            <a:schemeClr val="tx1"/>
+                          </a:solidFill>
+                        </a:rPr>
+                        <a:t>3. </a:t>
+                      </a:r>
+                      <a:r>
+                        <a:rPr sz="2000" kern="0" spc="0" baseline="0" dirty="0">
+                          <a:solidFill>
+                            <a:schemeClr val="tx1"/>
+                          </a:solidFill>
+                        </a:rPr>
+                        <a:t>Software Development and Design</a:t>
+                      </a:r>
+                      <a:endParaRPr sz="2000" kern="0" spc="0" baseline="0" dirty="0">
+                        <a:solidFill>
+                          <a:schemeClr val="tx1"/>
+                        </a:solidFill>
+                        <a:latin typeface="Arial"/>
+                        <a:cs typeface="Arial"/>
+                      </a:endParaRPr>
+                    </a:p>
+                  </a:txBody>
+                  <a:tcPr marL="0" marR="0" marT="78739" marB="0" anchor="ctr"/>
+                </a:tc>
+                <a:tc>
+                  <a:txBody>
+                    <a:bodyPr/>
+                    <a:lstStyle/>
+                    <a:p>
+                      <a:pPr marL="173038" indent="-117475">
+                        <a:lnSpc>
+                          <a:spcPct val="100000"/>
+                        </a:lnSpc>
+                        <a:spcBef>
+                          <a:spcPts val="0"/>
+                        </a:spcBef>
+                        <a:spcAft>
+                          <a:spcPts val="300"/>
+                        </a:spcAft>
+                        <a:buClr>
+                          <a:srgbClr val="949494"/>
+                        </a:buClr>
+                        <a:buFont typeface="Arial" panose="020B0604020202020204" pitchFamily="34" charset="0"/>
+                        <a:buChar char="•"/>
+                        <a:tabLst/>
+                      </a:pPr>
+                      <a:r>
+                        <a:rPr sz="2000" kern="0" spc="0" baseline="0" dirty="0">
+                          <a:solidFill>
+                            <a:schemeClr val="tx1"/>
+                          </a:solidFill>
+                        </a:rPr>
+                        <a:t>Python</a:t>
+                      </a:r>
+                      <a:endParaRPr sz="2000" kern="0" spc="0" baseline="0" dirty="0">
+                        <a:solidFill>
+                          <a:schemeClr val="tx1"/>
+                        </a:solidFill>
+                        <a:latin typeface="Arial"/>
+                        <a:cs typeface="Arial"/>
+                      </a:endParaRPr>
+                    </a:p>
+                  </a:txBody>
+                  <a:tcPr marL="0" marR="0" marT="112607" marB="0" anchor="ctr"/>
+                </a:tc>
+                <a:extLst>
+                  <a:ext uri="{0D108BD9-81ED-4DB2-BD59-A6C34878D82A}">
+                    <a16:rowId xmlns:a16="http://schemas.microsoft.com/office/drawing/2014/main" val="10003"/>
+                  </a:ext>
+                </a:extLst>
+              </a:tr>
+              <a:tr h="799439">
+                <a:tc>
+                  <a:txBody>
+                    <a:bodyPr/>
+                    <a:lstStyle/>
+                    <a:p>
+                      <a:pPr marL="84455">
+                        <a:lnSpc>
+                          <a:spcPct val="100000"/>
+                        </a:lnSpc>
+                        <a:spcBef>
+                          <a:spcPts val="0"/>
+                        </a:spcBef>
+                        <a:spcAft>
+                          <a:spcPts val="300"/>
+                        </a:spcAft>
+                      </a:pPr>
+                      <a:r>
+                        <a:rPr lang="en-US" sz="2000" kern="0" spc="0" baseline="0" dirty="0">
+                          <a:solidFill>
+                            <a:schemeClr val="tx1"/>
+                          </a:solidFill>
+                        </a:rPr>
+                        <a:t>4. </a:t>
+                      </a:r>
+                      <a:r>
+                        <a:rPr sz="2000" kern="0" spc="0" baseline="0" dirty="0">
+                          <a:solidFill>
+                            <a:schemeClr val="tx1"/>
+                          </a:solidFill>
+                        </a:rPr>
+                        <a:t>Understanding and Using APIs</a:t>
+                      </a:r>
+                      <a:endParaRPr sz="2000" kern="0" spc="0" baseline="0" dirty="0">
+                        <a:solidFill>
+                          <a:schemeClr val="tx1"/>
+                        </a:solidFill>
+                        <a:latin typeface="Arial"/>
+                        <a:cs typeface="Arial"/>
+                      </a:endParaRPr>
+                    </a:p>
+                  </a:txBody>
+                  <a:tcPr marL="0" marR="0" marT="108373" marB="0" anchor="ctr"/>
+                </a:tc>
+                <a:tc>
+                  <a:txBody>
+                    <a:bodyPr/>
+                    <a:lstStyle/>
+                    <a:p>
+                      <a:pPr marL="173038" indent="-117475">
+                        <a:lnSpc>
+                          <a:spcPct val="100000"/>
+                        </a:lnSpc>
+                        <a:spcBef>
+                          <a:spcPts val="0"/>
+                        </a:spcBef>
+                        <a:spcAft>
+                          <a:spcPts val="300"/>
+                        </a:spcAft>
+                        <a:buClr>
+                          <a:srgbClr val="949494"/>
+                        </a:buClr>
+                        <a:buFont typeface="Arial" panose="020B0604020202020204" pitchFamily="34" charset="0"/>
+                        <a:buChar char="•"/>
+                        <a:tabLst/>
+                      </a:pPr>
+                      <a:r>
+                        <a:rPr sz="2000" kern="0" spc="0" baseline="0" dirty="0">
+                          <a:solidFill>
+                            <a:schemeClr val="tx1"/>
+                          </a:solidFill>
+                        </a:rPr>
+                        <a:t>REST APIs</a:t>
+                      </a:r>
+                    </a:p>
+                    <a:p>
+                      <a:pPr marL="173038" indent="-117475">
+                        <a:lnSpc>
+                          <a:spcPct val="100000"/>
+                        </a:lnSpc>
+                        <a:spcBef>
+                          <a:spcPts val="0"/>
+                        </a:spcBef>
+                        <a:spcAft>
+                          <a:spcPts val="300"/>
+                        </a:spcAft>
+                        <a:buClr>
+                          <a:srgbClr val="949494"/>
+                        </a:buClr>
+                        <a:buFont typeface="Arial" panose="020B0604020202020204" pitchFamily="34" charset="0"/>
+                        <a:buChar char="•"/>
+                        <a:tabLst/>
+                      </a:pPr>
+                      <a:r>
+                        <a:rPr sz="2000" kern="0" spc="0" baseline="0" dirty="0">
+                          <a:solidFill>
+                            <a:schemeClr val="tx1"/>
+                          </a:solidFill>
+                        </a:rPr>
+                        <a:t>Interact with REST APIs using </a:t>
+                      </a:r>
+                      <a:r>
+                        <a:rPr lang="en-US" sz="2000" kern="0" spc="0" baseline="0" dirty="0">
+                          <a:solidFill>
+                            <a:schemeClr val="tx1"/>
+                          </a:solidFill>
+                        </a:rPr>
+                        <a:t>Postman </a:t>
+                      </a:r>
+                      <a:r>
+                        <a:rPr sz="2000" kern="0" spc="0" baseline="0" dirty="0">
+                          <a:solidFill>
+                            <a:schemeClr val="tx1"/>
+                          </a:solidFill>
+                        </a:rPr>
+                        <a:t>and Python code</a:t>
+                      </a:r>
+                      <a:endParaRPr sz="2000" kern="0" spc="0" baseline="0" dirty="0">
+                        <a:solidFill>
+                          <a:schemeClr val="tx1"/>
+                        </a:solidFill>
+                        <a:latin typeface="Arial"/>
+                        <a:cs typeface="Arial"/>
+                      </a:endParaRPr>
+                    </a:p>
+                  </a:txBody>
+                  <a:tcPr marL="0" marR="0" marT="37253" marB="0" anchor="ctr"/>
+                </a:tc>
+                <a:extLst>
+                  <a:ext uri="{0D108BD9-81ED-4DB2-BD59-A6C34878D82A}">
+                    <a16:rowId xmlns:a16="http://schemas.microsoft.com/office/drawing/2014/main" val="10004"/>
+                  </a:ext>
+                </a:extLst>
+              </a:tr>
+              <a:tr h="575733">
+                <a:tc>
+                  <a:txBody>
+                    <a:bodyPr/>
+                    <a:lstStyle/>
+                    <a:p>
+                      <a:pPr marL="84455">
+                        <a:lnSpc>
+                          <a:spcPct val="100000"/>
+                        </a:lnSpc>
+                        <a:spcBef>
+                          <a:spcPts val="0"/>
+                        </a:spcBef>
+                        <a:spcAft>
+                          <a:spcPts val="300"/>
+                        </a:spcAft>
+                      </a:pPr>
+                      <a:r>
+                        <a:rPr lang="en-US" sz="2000" kern="0" spc="0" baseline="0" dirty="0">
+                          <a:solidFill>
+                            <a:schemeClr val="tx1"/>
+                          </a:solidFill>
+                        </a:rPr>
+                        <a:t>5. </a:t>
+                      </a:r>
+                      <a:r>
+                        <a:rPr sz="2000" kern="0" spc="0" baseline="0" dirty="0">
+                          <a:solidFill>
+                            <a:schemeClr val="tx1"/>
+                          </a:solidFill>
+                        </a:rPr>
+                        <a:t>Network Fundamentals</a:t>
+                      </a:r>
+                      <a:endParaRPr sz="2000" kern="0" spc="0" baseline="0" dirty="0">
+                        <a:solidFill>
+                          <a:schemeClr val="tx1"/>
+                        </a:solidFill>
+                        <a:latin typeface="Arial"/>
+                        <a:cs typeface="Arial"/>
+                      </a:endParaRPr>
+                    </a:p>
+                  </a:txBody>
+                  <a:tcPr marL="0" marR="0" marT="108373" marB="0" anchor="ctr"/>
+                </a:tc>
+                <a:tc>
+                  <a:txBody>
+                    <a:bodyPr/>
+                    <a:lstStyle/>
+                    <a:p>
+                      <a:pPr marL="173038" indent="-117475">
+                        <a:lnSpc>
+                          <a:spcPct val="100000"/>
+                        </a:lnSpc>
+                        <a:spcBef>
+                          <a:spcPts val="0"/>
+                        </a:spcBef>
+                        <a:spcAft>
+                          <a:spcPts val="300"/>
+                        </a:spcAft>
+                        <a:buClr>
+                          <a:srgbClr val="949494"/>
+                        </a:buClr>
+                        <a:buFont typeface="Arial" panose="020B0604020202020204" pitchFamily="34" charset="0"/>
+                        <a:buChar char="•"/>
+                        <a:tabLst/>
+                      </a:pPr>
+                      <a:r>
+                        <a:rPr lang="en-US" sz="2000" kern="0" spc="0" baseline="0" dirty="0">
+                          <a:solidFill>
+                            <a:schemeClr val="tx1"/>
+                          </a:solidFill>
+                        </a:rPr>
+                        <a:t>CCNA1: Intro to Networks</a:t>
+                      </a:r>
+                      <a:endParaRPr sz="2000" kern="0" spc="0" baseline="0" dirty="0">
+                        <a:solidFill>
+                          <a:schemeClr val="tx1"/>
+                        </a:solidFill>
+                        <a:latin typeface="Arial"/>
+                        <a:cs typeface="Arial"/>
+                      </a:endParaRPr>
+                    </a:p>
+                  </a:txBody>
+                  <a:tcPr marL="0" marR="0" marT="37253" marB="0" anchor="ctr"/>
+                </a:tc>
+                <a:extLst>
+                  <a:ext uri="{0D108BD9-81ED-4DB2-BD59-A6C34878D82A}">
+                    <a16:rowId xmlns:a16="http://schemas.microsoft.com/office/drawing/2014/main" val="10005"/>
+                  </a:ext>
+                </a:extLst>
+              </a:tr>
+              <a:tr h="548640">
+                <a:tc>
+                  <a:txBody>
+                    <a:bodyPr/>
+                    <a:lstStyle/>
+                    <a:p>
+                      <a:pPr marL="84455">
+                        <a:lnSpc>
+                          <a:spcPct val="100000"/>
+                        </a:lnSpc>
+                        <a:spcBef>
+                          <a:spcPts val="0"/>
+                        </a:spcBef>
+                        <a:spcAft>
+                          <a:spcPts val="300"/>
+                        </a:spcAft>
+                      </a:pPr>
+                      <a:r>
+                        <a:rPr lang="en-US" sz="2000" kern="0" spc="0" baseline="0" dirty="0">
+                          <a:solidFill>
+                            <a:schemeClr val="tx1"/>
+                          </a:solidFill>
+                        </a:rPr>
+                        <a:t>6. </a:t>
+                      </a:r>
+                      <a:r>
+                        <a:rPr sz="2000" kern="0" spc="0" baseline="0" dirty="0">
+                          <a:solidFill>
+                            <a:schemeClr val="tx1"/>
+                          </a:solidFill>
+                        </a:rPr>
+                        <a:t>Application Deployment and Security</a:t>
+                      </a:r>
+                      <a:endParaRPr sz="2000" kern="0" spc="0" baseline="0" dirty="0">
+                        <a:solidFill>
+                          <a:schemeClr val="tx1"/>
+                        </a:solidFill>
+                        <a:latin typeface="Arial"/>
+                        <a:cs typeface="Arial"/>
+                      </a:endParaRPr>
+                    </a:p>
+                  </a:txBody>
+                  <a:tcPr marL="0" marR="0" marT="108373" marB="0" anchor="ctr"/>
+                </a:tc>
+                <a:tc>
+                  <a:txBody>
+                    <a:bodyPr/>
+                    <a:lstStyle/>
+                    <a:p>
+                      <a:pPr marL="173038" marR="216535" indent="-117475">
+                        <a:lnSpc>
+                          <a:spcPct val="100000"/>
+                        </a:lnSpc>
+                        <a:spcBef>
+                          <a:spcPts val="0"/>
+                        </a:spcBef>
+                        <a:spcAft>
+                          <a:spcPts val="300"/>
+                        </a:spcAft>
+                        <a:buClr>
+                          <a:srgbClr val="949494"/>
+                        </a:buClr>
+                        <a:buFont typeface="Arial" panose="020B0604020202020204" pitchFamily="34" charset="0"/>
+                        <a:buChar char="•"/>
+                        <a:tabLst/>
+                      </a:pPr>
+                      <a:r>
+                        <a:rPr lang="en-US" sz="2000" kern="0" spc="0" baseline="0" dirty="0">
+                          <a:solidFill>
+                            <a:schemeClr val="tx1"/>
+                          </a:solidFill>
+                        </a:rPr>
+                        <a:t>Docker</a:t>
+                      </a:r>
+                      <a:endParaRPr sz="2000" kern="0" spc="0" baseline="0" dirty="0">
+                        <a:solidFill>
+                          <a:schemeClr val="tx1"/>
+                        </a:solidFill>
+                        <a:latin typeface="Arial"/>
+                        <a:cs typeface="Arial"/>
+                      </a:endParaRPr>
+                    </a:p>
+                  </a:txBody>
+                  <a:tcPr marL="0" marR="0" marT="47413" marB="0" anchor="ctr"/>
+                </a:tc>
+                <a:extLst>
+                  <a:ext uri="{0D108BD9-81ED-4DB2-BD59-A6C34878D82A}">
+                    <a16:rowId xmlns:a16="http://schemas.microsoft.com/office/drawing/2014/main" val="10006"/>
+                  </a:ext>
+                </a:extLst>
+              </a:tr>
+              <a:tr h="548640">
+                <a:tc>
+                  <a:txBody>
+                    <a:bodyPr/>
+                    <a:lstStyle/>
+                    <a:p>
+                      <a:pPr marL="84455">
+                        <a:lnSpc>
+                          <a:spcPct val="100000"/>
+                        </a:lnSpc>
+                        <a:spcBef>
+                          <a:spcPts val="0"/>
+                        </a:spcBef>
+                        <a:spcAft>
+                          <a:spcPts val="300"/>
+                        </a:spcAft>
+                      </a:pPr>
+                      <a:r>
+                        <a:rPr lang="en-US" sz="2000" kern="0" spc="0" baseline="0" dirty="0">
+                          <a:solidFill>
+                            <a:schemeClr val="tx1"/>
+                          </a:solidFill>
+                        </a:rPr>
+                        <a:t>7. </a:t>
+                      </a:r>
+                      <a:r>
+                        <a:rPr sz="2000" kern="0" spc="0" baseline="0" dirty="0">
+                          <a:solidFill>
+                            <a:schemeClr val="tx1"/>
+                          </a:solidFill>
+                        </a:rPr>
+                        <a:t>Infrastructure and Automation</a:t>
+                      </a:r>
+                      <a:endParaRPr sz="2000" kern="0" spc="0" baseline="0" dirty="0">
+                        <a:solidFill>
+                          <a:schemeClr val="tx1"/>
+                        </a:solidFill>
+                        <a:latin typeface="Arial"/>
+                        <a:cs typeface="Arial"/>
+                      </a:endParaRPr>
+                    </a:p>
+                  </a:txBody>
+                  <a:tcPr marL="0" marR="0" marT="108373" marB="0" anchor="ctr"/>
+                </a:tc>
+                <a:tc>
+                  <a:txBody>
+                    <a:bodyPr/>
+                    <a:lstStyle/>
+                    <a:p>
+                      <a:pPr marL="173038" marR="141605" indent="-117475">
+                        <a:lnSpc>
+                          <a:spcPct val="100000"/>
+                        </a:lnSpc>
+                        <a:spcBef>
+                          <a:spcPts val="0"/>
+                        </a:spcBef>
+                        <a:spcAft>
+                          <a:spcPts val="300"/>
+                        </a:spcAft>
+                        <a:buClr>
+                          <a:srgbClr val="949494"/>
+                        </a:buClr>
+                        <a:buFont typeface="Arial" panose="020B0604020202020204" pitchFamily="34" charset="0"/>
+                        <a:buChar char="•"/>
+                        <a:tabLst/>
+                      </a:pPr>
+                      <a:r>
+                        <a:rPr lang="en-US" sz="2000" kern="0" spc="0" baseline="0" dirty="0">
+                          <a:solidFill>
+                            <a:schemeClr val="tx1"/>
+                          </a:solidFill>
+                        </a:rPr>
+                        <a:t>Ansible</a:t>
+                      </a:r>
+                      <a:endParaRPr sz="2000" kern="0" spc="0" baseline="0" dirty="0">
+                        <a:solidFill>
+                          <a:schemeClr val="tx1"/>
+                        </a:solidFill>
+                        <a:latin typeface="Arial"/>
+                        <a:cs typeface="Arial"/>
+                      </a:endParaRPr>
+                    </a:p>
+                  </a:txBody>
+                  <a:tcPr marL="0" marR="0" marT="47413" marB="0" anchor="ctr"/>
+                </a:tc>
+                <a:extLst>
+                  <a:ext uri="{0D108BD9-81ED-4DB2-BD59-A6C34878D82A}">
+                    <a16:rowId xmlns:a16="http://schemas.microsoft.com/office/drawing/2014/main" val="10007"/>
+                  </a:ext>
+                </a:extLst>
+              </a:tr>
+              <a:tr h="751972">
+                <a:tc>
+                  <a:txBody>
+                    <a:bodyPr/>
+                    <a:lstStyle/>
+                    <a:p>
+                      <a:pPr marL="84455">
+                        <a:lnSpc>
+                          <a:spcPct val="100000"/>
+                        </a:lnSpc>
+                        <a:spcBef>
+                          <a:spcPts val="0"/>
+                        </a:spcBef>
+                        <a:spcAft>
+                          <a:spcPts val="300"/>
+                        </a:spcAft>
+                      </a:pPr>
+                      <a:r>
+                        <a:rPr lang="en-US" sz="2000" kern="0" spc="0" baseline="0" dirty="0">
+                          <a:solidFill>
+                            <a:schemeClr val="tx1"/>
+                          </a:solidFill>
+                        </a:rPr>
+                        <a:t>8. </a:t>
+                      </a:r>
+                      <a:r>
+                        <a:rPr sz="2000" kern="0" spc="0" baseline="0" dirty="0">
+                          <a:solidFill>
+                            <a:schemeClr val="tx1"/>
+                          </a:solidFill>
+                        </a:rPr>
+                        <a:t>Cisco Platforms and Development</a:t>
+                      </a:r>
+                      <a:endParaRPr sz="2000" kern="0" spc="0" baseline="0" dirty="0">
+                        <a:solidFill>
+                          <a:schemeClr val="tx1"/>
+                        </a:solidFill>
+                        <a:latin typeface="Arial"/>
+                        <a:cs typeface="Arial"/>
+                      </a:endParaRPr>
+                    </a:p>
+                  </a:txBody>
+                  <a:tcPr marL="0" marR="0" marT="214207" marB="0" anchor="ctr"/>
+                </a:tc>
+                <a:tc>
+                  <a:txBody>
+                    <a:bodyPr/>
+                    <a:lstStyle/>
+                    <a:p>
+                      <a:pPr marL="173038" marR="301625" indent="-117475">
+                        <a:lnSpc>
+                          <a:spcPct val="100000"/>
+                        </a:lnSpc>
+                        <a:spcBef>
+                          <a:spcPts val="0"/>
+                        </a:spcBef>
+                        <a:spcAft>
+                          <a:spcPts val="300"/>
+                        </a:spcAft>
+                        <a:buClr>
+                          <a:srgbClr val="949494"/>
+                        </a:buClr>
+                        <a:buFont typeface="Arial" panose="020B0604020202020204" pitchFamily="34" charset="0"/>
+                        <a:buChar char="•"/>
+                        <a:tabLst/>
+                      </a:pPr>
+                      <a:r>
+                        <a:rPr sz="1800" kern="0" spc="0" baseline="0" dirty="0">
+                          <a:solidFill>
+                            <a:schemeClr val="tx1"/>
+                          </a:solidFill>
+                        </a:rPr>
+                        <a:t>Compare Cisco platforms used for collaboration, infrastructure management, and automation</a:t>
+                      </a:r>
+                    </a:p>
+                  </a:txBody>
+                  <a:tcPr marL="0" marR="0" marT="47413" marB="0" anchor="ctr"/>
+                </a:tc>
+                <a:extLst>
+                  <a:ext uri="{0D108BD9-81ED-4DB2-BD59-A6C34878D82A}">
+                    <a16:rowId xmlns:a16="http://schemas.microsoft.com/office/drawing/2014/main" val="10008"/>
+                  </a:ext>
+                </a:extLst>
+              </a:tr>
+            </a:tbl>
+          </a:graphicData>
+        </a:graphic>
+      </p:graphicFrame>
     </p:spTree>
-    <p:extLst>
-      <p:ext uri="{BB962C8B-B14F-4D97-AF65-F5344CB8AC3E}">
-        <p14:creationId xmlns:p14="http://schemas.microsoft.com/office/powerpoint/2010/main" val="3267189681"/>
-      </p:ext>
-    </p:extLst>
   </p:cSld>
   <p:clrMapOvr>
     <a:masterClrMapping/>
   </p:clrMapOvr>
+  <mc:AlternateContent xmlns:mc="http://schemas.openxmlformats.org/markup-compatibility/2006" xmlns:p14="http://schemas.microsoft.com/office/powerpoint/2010/main">
+    <mc:Choice Requires="p14">
+      <p:transition spd="med" p14:dur="700">
+        <p:fade/>
+      </p:transition>
+    </mc:Choice>
+    <mc:Fallback xmlns="">
+      <p:transition spd="med">
+        <p:fade/>
+      </p:transition>
+    </mc:Fallback>
+  </mc:AlternateContent>
 </p:sld>
 </file>
 
@@ -6755,10 +8058,38 @@
       </p:grpSpPr>
       <p:sp>
         <p:nvSpPr>
-          <p:cNvPr id="2" name="Title 1">
+          <p:cNvPr id="2" name="Text Placeholder 1">
             <a:extLst>
               <a:ext uri="{FF2B5EF4-FFF2-40B4-BE49-F238E27FC236}">
-                <a16:creationId xmlns:a16="http://schemas.microsoft.com/office/drawing/2014/main" id="{ED082C6C-4572-40A4-9F0B-D08EBBBC06D9}"/>
+                <a16:creationId xmlns:a16="http://schemas.microsoft.com/office/drawing/2014/main" id="{85166FBE-BCF8-4C37-A78B-24E0BAB584D1}"/>
+              </a:ext>
+            </a:extLst>
+          </p:cNvPr>
+          <p:cNvSpPr>
+            <a:spLocks noGrp="1"/>
+          </p:cNvSpPr>
+          <p:nvPr>
+            <p:ph type="body" idx="1"/>
+          </p:nvPr>
+        </p:nvSpPr>
+        <p:spPr/>
+        <p:txBody>
+          <a:bodyPr/>
+          <a:lstStyle/>
+          <a:p>
+            <a:r>
+              <a:rPr lang="en-US" dirty="0"/>
+              <a:t>Network Automation with Python</a:t>
+            </a:r>
+          </a:p>
+        </p:txBody>
+      </p:sp>
+      <p:sp>
+        <p:nvSpPr>
+          <p:cNvPr id="3" name="Title 2">
+            <a:extLst>
+              <a:ext uri="{FF2B5EF4-FFF2-40B4-BE49-F238E27FC236}">
+                <a16:creationId xmlns:a16="http://schemas.microsoft.com/office/drawing/2014/main" id="{7B0C70E7-3220-46DA-8D25-F1A5145DFD3A}"/>
               </a:ext>
             </a:extLst>
           </p:cNvPr>
@@ -6775,119 +8106,16 @@
           <a:lstStyle/>
           <a:p>
             <a:r>
-              <a:rPr lang="en-US" sz="2800" b="1" dirty="0"/>
-              <a:t>What is a network controller's role in intent-based networking?</a:t>
-            </a:r>
-          </a:p>
-        </p:txBody>
-      </p:sp>
-      <p:sp>
-        <p:nvSpPr>
-          <p:cNvPr id="3" name="Content Placeholder 2">
-            <a:extLst>
-              <a:ext uri="{FF2B5EF4-FFF2-40B4-BE49-F238E27FC236}">
-                <a16:creationId xmlns:a16="http://schemas.microsoft.com/office/drawing/2014/main" id="{C08C8CC4-F637-46E4-B13F-D98EA198DAF7}"/>
-              </a:ext>
-            </a:extLst>
-          </p:cNvPr>
-          <p:cNvSpPr>
-            <a:spLocks noGrp="1"/>
-          </p:cNvSpPr>
-          <p:nvPr>
-            <p:ph sz="quarter" idx="10"/>
-          </p:nvPr>
-        </p:nvSpPr>
-        <p:spPr/>
-        <p:txBody>
-          <a:bodyPr/>
-          <a:lstStyle/>
-          <a:p>
-            <a:r>
-              <a:rPr lang="en-US" sz="2000" dirty="0"/>
-              <a:t>An intent-based networking (IBN) architecture builds on SDN and provides the building blocks that transform a hardware-centric, manual network into a software-driven network that continuously captures business intent, translates it into policies, and applies them consistently across the network.</a:t>
-            </a:r>
-          </a:p>
-          <a:p>
-            <a:r>
-              <a:rPr lang="en-US" sz="2000" dirty="0"/>
-              <a:t>A network controller acts as a central control point for network activity in an intent-based network.</a:t>
-            </a:r>
-          </a:p>
-          <a:p>
-            <a:pPr lvl="1"/>
-            <a:r>
-              <a:rPr lang="en-US" b="1" dirty="0"/>
-              <a:t>Automation: </a:t>
-            </a:r>
-            <a:r>
               <a:rPr lang="en-US" dirty="0"/>
-              <a:t>A network controller uses automation extensively for configuring, managing, testing, deploying, and operating physical and virtual devices in a network.</a:t>
-            </a:r>
-          </a:p>
-          <a:p>
-            <a:pPr lvl="1"/>
-            <a:r>
-              <a:rPr lang="en-US" b="1" dirty="0"/>
-              <a:t>Translation: </a:t>
-            </a:r>
-            <a:r>
-              <a:rPr lang="en-US" dirty="0"/>
-              <a:t>A network controller translates business intent into policies that network devices can implement to help produce desired outcomes. </a:t>
-            </a:r>
-          </a:p>
-          <a:p>
-            <a:pPr lvl="1"/>
-            <a:r>
-              <a:rPr lang="en-US" b="1" dirty="0"/>
-              <a:t>Activation: </a:t>
-            </a:r>
-            <a:r>
-              <a:rPr lang="en-US" dirty="0"/>
-              <a:t>A network controller distributes desired policies across the physical and virtual network infrastructure, using networkwide automation.</a:t>
-            </a:r>
-          </a:p>
-          <a:p>
-            <a:pPr lvl="1"/>
-            <a:r>
-              <a:rPr lang="en-US" b="1" dirty="0"/>
-              <a:t>Analytics: </a:t>
-            </a:r>
-            <a:r>
-              <a:rPr lang="en-US" dirty="0"/>
-              <a:t>A network controller collects and analyzes telemetry data from network devices to help them operate smoothly and to spot any irregularities or potential issues. </a:t>
-            </a:r>
-          </a:p>
-          <a:p>
-            <a:pPr lvl="1"/>
-            <a:r>
-              <a:rPr lang="en-US" b="1" dirty="0"/>
-              <a:t>Security: </a:t>
-            </a:r>
-            <a:r>
-              <a:rPr lang="en-US" dirty="0"/>
-              <a:t>A network controller can help ensure that security measures are built into the network, compared with reliance on security applications to secure only the perimeter. </a:t>
-            </a:r>
-          </a:p>
-          <a:p>
-            <a:pPr lvl="1"/>
-            <a:r>
-              <a:rPr lang="en-US" b="1" dirty="0"/>
-              <a:t>Integration: </a:t>
-            </a:r>
-            <a:r>
-              <a:rPr lang="en-US" dirty="0"/>
-              <a:t>A network controller provides a central point for network orchestration, abstract individual devices, and expose a higher level of functionality through open-standard APIs. </a:t>
-            </a:r>
-          </a:p>
-          <a:p>
-            <a:endParaRPr lang="en-US" dirty="0"/>
+              <a:t>Automation Demo</a:t>
+            </a:r>
           </a:p>
         </p:txBody>
       </p:sp>
     </p:spTree>
     <p:extLst>
       <p:ext uri="{BB962C8B-B14F-4D97-AF65-F5344CB8AC3E}">
-        <p14:creationId xmlns:p14="http://schemas.microsoft.com/office/powerpoint/2010/main" val="731785353"/>
+        <p14:creationId xmlns:p14="http://schemas.microsoft.com/office/powerpoint/2010/main" val="3877030009"/>
       </p:ext>
     </p:extLst>
   </p:cSld>
@@ -6919,7 +8147,7 @@
           <p:cNvPr id="2" name="Title 1">
             <a:extLst>
               <a:ext uri="{FF2B5EF4-FFF2-40B4-BE49-F238E27FC236}">
-                <a16:creationId xmlns:a16="http://schemas.microsoft.com/office/drawing/2014/main" id="{46469F90-AEB1-4A57-9B79-DB6CEFA1F96E}"/>
+                <a16:creationId xmlns:a16="http://schemas.microsoft.com/office/drawing/2014/main" id="{70F4A275-53A3-4BE0-81C7-B02173357FDF}"/>
               </a:ext>
             </a:extLst>
           </p:cNvPr>
@@ -6936,26 +8164,9 @@
           <a:lstStyle/>
           <a:p>
             <a:r>
-              <a:rPr lang="en-US" b="1" dirty="0"/>
-              <a:t>Cisco Intent-Based </a:t>
-            </a:r>
-            <a:r>
               <a:rPr lang="en-US" dirty="0"/>
-              <a:t>N</a:t>
-            </a:r>
-            <a:r>
-              <a:rPr lang="en-US" b="1" dirty="0"/>
-              <a:t>etwork </a:t>
-            </a:r>
-            <a:r>
-              <a:rPr lang="en-US" dirty="0"/>
-              <a:t>C</a:t>
-            </a:r>
-            <a:r>
-              <a:rPr lang="en-US" b="1" dirty="0"/>
-              <a:t>ontrollers</a:t>
-            </a:r>
-            <a:endParaRPr lang="en-US" dirty="0"/>
+              <a:t>What is GitHub?</a:t>
+            </a:r>
           </a:p>
         </p:txBody>
       </p:sp>
@@ -6964,7 +8175,7 @@
           <p:cNvPr id="3" name="Content Placeholder 2">
             <a:extLst>
               <a:ext uri="{FF2B5EF4-FFF2-40B4-BE49-F238E27FC236}">
-                <a16:creationId xmlns:a16="http://schemas.microsoft.com/office/drawing/2014/main" id="{AC795795-C6C3-4CEC-83F3-6BC080ED7537}"/>
+                <a16:creationId xmlns:a16="http://schemas.microsoft.com/office/drawing/2014/main" id="{57057281-9FE1-4EE0-8C5E-01D25B7D7840}"/>
               </a:ext>
             </a:extLst>
           </p:cNvPr>
@@ -6980,101 +8191,118 @@
           <a:bodyPr/>
           <a:lstStyle/>
           <a:p>
-            <a:pPr>
-              <a:buFont typeface="Arial" panose="020B0604020202020204" pitchFamily="34" charset="0"/>
-              <a:buChar char="•"/>
+            <a:r>
+              <a:rPr lang="en-US" sz="2200" b="1" dirty="0"/>
+              <a:t>Git</a:t>
+            </a:r>
+            <a:r>
+              <a:rPr lang="en-US" sz="2200" dirty="0"/>
+              <a:t> is the most widely used modern version control system in the world today. Git is an actively maintained open-source project originally developed in 2005 by Linus Torvalds, the famous creator of the Linux operating system kernel. </a:t>
+            </a:r>
+            <a:endParaRPr lang="en-US" sz="2200" b="1" dirty="0"/>
+          </a:p>
+          <a:p>
+            <a:r>
+              <a:rPr lang="en-US" sz="2200" b="1" dirty="0"/>
+              <a:t>GitHub</a:t>
+            </a:r>
+            <a:r>
+              <a:rPr lang="en-US" sz="2200" dirty="0"/>
+              <a:t> is a code hosting platform for version control and collaboration. It lets you and others work together on projects from anywhere. </a:t>
+            </a:r>
+          </a:p>
+          <a:p>
+            <a:r>
+              <a:rPr lang="en-US" sz="2200" dirty="0"/>
+              <a:t>With a few simple commands you and your student can use GitHub is share and collect assignments.</a:t>
+            </a:r>
+          </a:p>
+          <a:p>
+            <a:r>
+              <a:rPr lang="en-US" sz="2200" dirty="0"/>
+              <a:t>Part 2: Code for our session today:</a:t>
+            </a:r>
+          </a:p>
+          <a:p>
+            <a:pPr marL="233345" lvl="1" indent="0">
+              <a:buNone/>
             </a:pPr>
             <a:r>
-              <a:rPr lang="en-US" sz="2400" dirty="0">
+              <a:rPr lang="en-US" sz="2400" b="1" dirty="0">
+                <a:latin typeface="Consolas" panose="020B0609020204030204" pitchFamily="49" charset="0"/>
+              </a:rPr>
+              <a:t>cisco@pcname:/mnt/c/Users/</a:t>
+            </a:r>
+            <a:r>
+              <a:rPr lang="en-US" sz="2400" b="1" i="1" dirty="0">
+                <a:latin typeface="Consolas" panose="020B0609020204030204" pitchFamily="49" charset="0"/>
+              </a:rPr>
+              <a:t>user</a:t>
+            </a:r>
+            <a:r>
+              <a:rPr lang="en-US" sz="2400" b="1" dirty="0">
+                <a:latin typeface="Consolas" panose="020B0609020204030204" pitchFamily="49" charset="0"/>
+              </a:rPr>
+              <a:t>$</a:t>
+            </a:r>
+          </a:p>
+          <a:p>
+            <a:pPr marL="227013" indent="0">
+              <a:buNone/>
+            </a:pPr>
+            <a:r>
+              <a:rPr lang="en-US" sz="3200" b="1" i="0" u="none" strike="noStrike" baseline="0" dirty="0">
                 <a:solidFill>
                   <a:srgbClr val="C00000"/>
                 </a:solidFill>
-                <a:hlinkClick r:id="rId2">
-                  <a:extLst>
-                    <a:ext uri="{A12FA001-AC4F-418D-AE19-62706E023703}">
-                      <ahyp:hlinkClr xmlns:ahyp="http://schemas.microsoft.com/office/drawing/2018/hyperlinkcolor" val="tx"/>
-                    </a:ext>
-                  </a:extLst>
-                </a:hlinkClick>
-              </a:rPr>
-              <a:t>Cisco DNA Center</a:t>
-            </a:r>
-            <a:r>
-              <a:rPr lang="en-US" sz="2400" dirty="0">
+                <a:latin typeface="Consolas" panose="020B0609020204030204" pitchFamily="49" charset="0"/>
+              </a:rPr>
+              <a:t>git clone https://github.com/Scott4564/python.git</a:t>
+            </a:r>
+          </a:p>
+          <a:p>
+            <a:pPr marL="227013" indent="0">
+              <a:buNone/>
+            </a:pPr>
+            <a:r>
+              <a:rPr lang="en-US" sz="3200" b="1" dirty="0">
                 <a:solidFill>
                   <a:srgbClr val="C00000"/>
                 </a:solidFill>
-              </a:rPr>
-              <a:t> </a:t>
-            </a:r>
-          </a:p>
-          <a:p>
-            <a:pPr>
-              <a:buFont typeface="Arial" panose="020B0604020202020204" pitchFamily="34" charset="0"/>
-              <a:buChar char="•"/>
+                <a:latin typeface="Consolas" panose="020B0609020204030204" pitchFamily="49" charset="0"/>
+              </a:rPr>
+              <a:t>cd python</a:t>
+            </a:r>
+          </a:p>
+          <a:p>
+            <a:pPr marL="223822" lvl="1" indent="0">
+              <a:buNone/>
             </a:pPr>
             <a:r>
-              <a:rPr lang="en-US" sz="2400" dirty="0">
-                <a:solidFill>
-                  <a:srgbClr val="C00000"/>
-                </a:solidFill>
-                <a:hlinkClick r:id="rId3">
-                  <a:extLst>
-                    <a:ext uri="{A12FA001-AC4F-418D-AE19-62706E023703}">
-                      <ahyp:hlinkClr xmlns:ahyp="http://schemas.microsoft.com/office/drawing/2018/hyperlinkcolor" val="tx"/>
-                    </a:ext>
-                  </a:extLst>
-                </a:hlinkClick>
-              </a:rPr>
-              <a:t>Cisco vManage</a:t>
-            </a:r>
-            <a:r>
-              <a:rPr lang="en-US" sz="2400" dirty="0">
-                <a:solidFill>
-                  <a:srgbClr val="C00000"/>
-                </a:solidFill>
-              </a:rPr>
-              <a:t> </a:t>
-            </a:r>
-          </a:p>
-          <a:p>
-            <a:pPr>
-              <a:buFont typeface="Arial" panose="020B0604020202020204" pitchFamily="34" charset="0"/>
-              <a:buChar char="•"/>
-            </a:pPr>
-            <a:r>
-              <a:rPr lang="en-US" sz="2400" dirty="0">
-                <a:solidFill>
-                  <a:srgbClr val="C00000"/>
-                </a:solidFill>
-                <a:hlinkClick r:id="rId4">
-                  <a:extLst>
-                    <a:ext uri="{A12FA001-AC4F-418D-AE19-62706E023703}">
-                      <ahyp:hlinkClr xmlns:ahyp="http://schemas.microsoft.com/office/drawing/2018/hyperlinkcolor" val="tx"/>
-                    </a:ext>
-                  </a:extLst>
-                </a:hlinkClick>
-              </a:rPr>
-              <a:t>Cisco APIC</a:t>
-            </a:r>
-            <a:r>
-              <a:rPr lang="en-US" sz="2400" dirty="0">
-                <a:solidFill>
-                  <a:srgbClr val="C00000"/>
-                </a:solidFill>
-              </a:rPr>
-              <a:t> </a:t>
-            </a:r>
-          </a:p>
-          <a:p>
-            <a:endParaRPr lang="en-US" dirty="0"/>
+              <a:rPr lang="en-US" sz="2400" b="1" dirty="0">
+                <a:latin typeface="Consolas" panose="020B0609020204030204" pitchFamily="49" charset="0"/>
+              </a:rPr>
+              <a:t>cisco@pcname:/mnt/c/Users/</a:t>
+            </a:r>
+            <a:r>
+              <a:rPr lang="en-US" sz="2400" b="1" i="1" dirty="0">
+                <a:latin typeface="Consolas" panose="020B0609020204030204" pitchFamily="49" charset="0"/>
+              </a:rPr>
+              <a:t>user</a:t>
+            </a:r>
+            <a:r>
+              <a:rPr lang="en-US" sz="2400" b="1" dirty="0">
+                <a:latin typeface="Consolas" panose="020B0609020204030204" pitchFamily="49" charset="0"/>
+              </a:rPr>
+              <a:t>/python$</a:t>
+            </a:r>
           </a:p>
         </p:txBody>
       </p:sp>
     </p:spTree>
     <p:extLst>
       <p:ext uri="{BB962C8B-B14F-4D97-AF65-F5344CB8AC3E}">
-        <p14:creationId xmlns:p14="http://schemas.microsoft.com/office/powerpoint/2010/main" val="3401368702"/>
+        <p14:creationId xmlns:p14="http://schemas.microsoft.com/office/powerpoint/2010/main" val="294634973"/>
       </p:ext>
     </p:extLst>
   </p:cSld>
@@ -7164,6 +8392,629 @@
             </a:pPr>
             <a:r>
               <a:rPr lang="en-US" sz="3600" b="1" dirty="0"/>
+              <a:t>Part 3 – 5 minutes</a:t>
+            </a:r>
+          </a:p>
+          <a:p>
+            <a:pPr marL="0" indent="0" algn="ctr">
+              <a:buNone/>
+            </a:pPr>
+            <a:r>
+              <a:rPr lang="en-US" sz="3600" b="1" dirty="0"/>
+              <a:t>Part 4 – 10 minutes</a:t>
+            </a:r>
+          </a:p>
+          <a:p>
+            <a:pPr marL="0" indent="0" algn="ctr">
+              <a:buNone/>
+            </a:pPr>
+            <a:r>
+              <a:rPr lang="en-US" sz="3600" b="1" dirty="0"/>
+              <a:t>Part 5 – 10 minutes</a:t>
+            </a:r>
+          </a:p>
+          <a:p>
+            <a:pPr marL="0" indent="0" algn="ctr">
+              <a:buNone/>
+            </a:pPr>
+            <a:r>
+              <a:rPr lang="en-US" sz="3600" b="1" dirty="0"/>
+              <a:t>Part 6 – 15 minutes</a:t>
+            </a:r>
+          </a:p>
+          <a:p>
+            <a:pPr marL="0" indent="0" algn="ctr">
+              <a:buNone/>
+            </a:pPr>
+            <a:r>
+              <a:rPr lang="en-US" sz="3600" b="1" dirty="0"/>
+              <a:t>Part 7 – 20 minutes</a:t>
+            </a:r>
+          </a:p>
+          <a:p>
+            <a:pPr marL="0" indent="0" algn="ctr">
+              <a:buNone/>
+            </a:pPr>
+            <a:r>
+              <a:rPr lang="en-US" sz="2400" b="1" dirty="0"/>
+              <a:t>Total – 60 minutes</a:t>
+            </a:r>
+          </a:p>
+        </p:txBody>
+      </p:sp>
+    </p:spTree>
+    <p:extLst>
+      <p:ext uri="{BB962C8B-B14F-4D97-AF65-F5344CB8AC3E}">
+        <p14:creationId xmlns:p14="http://schemas.microsoft.com/office/powerpoint/2010/main" val="1170711811"/>
+      </p:ext>
+    </p:extLst>
+  </p:cSld>
+  <p:clrMapOvr>
+    <a:masterClrMapping/>
+  </p:clrMapOvr>
+</p:sld>
+</file>
+
+<file path=ppt/slides/slide23.xml><?xml version="1.0" encoding="utf-8"?>
+<p:sld xmlns:a="http://schemas.openxmlformats.org/drawingml/2006/main" xmlns:r="http://schemas.openxmlformats.org/officeDocument/2006/relationships" xmlns:p="http://schemas.openxmlformats.org/presentationml/2006/main">
+  <p:cSld>
+    <p:spTree>
+      <p:nvGrpSpPr>
+        <p:cNvPr id="1" name=""/>
+        <p:cNvGrpSpPr/>
+        <p:nvPr/>
+      </p:nvGrpSpPr>
+      <p:grpSpPr>
+        <a:xfrm>
+          <a:off x="0" y="0"/>
+          <a:ext cx="0" cy="0"/>
+          <a:chOff x="0" y="0"/>
+          <a:chExt cx="0" cy="0"/>
+        </a:xfrm>
+      </p:grpSpPr>
+      <p:sp>
+        <p:nvSpPr>
+          <p:cNvPr id="2" name="Title 1">
+            <a:extLst>
+              <a:ext uri="{FF2B5EF4-FFF2-40B4-BE49-F238E27FC236}">
+                <a16:creationId xmlns:a16="http://schemas.microsoft.com/office/drawing/2014/main" id="{ED082C6C-4572-40A4-9F0B-D08EBBBC06D9}"/>
+              </a:ext>
+            </a:extLst>
+          </p:cNvPr>
+          <p:cNvSpPr>
+            <a:spLocks noGrp="1"/>
+          </p:cNvSpPr>
+          <p:nvPr>
+            <p:ph type="title"/>
+          </p:nvPr>
+        </p:nvSpPr>
+        <p:spPr/>
+        <p:txBody>
+          <a:bodyPr/>
+          <a:lstStyle/>
+          <a:p>
+            <a:r>
+              <a:rPr lang="en-US" dirty="0"/>
+              <a:t>What is a Network Controller?</a:t>
+            </a:r>
+          </a:p>
+        </p:txBody>
+      </p:sp>
+      <p:sp>
+        <p:nvSpPr>
+          <p:cNvPr id="3" name="Content Placeholder 2">
+            <a:extLst>
+              <a:ext uri="{FF2B5EF4-FFF2-40B4-BE49-F238E27FC236}">
+                <a16:creationId xmlns:a16="http://schemas.microsoft.com/office/drawing/2014/main" id="{C08C8CC4-F637-46E4-B13F-D98EA198DAF7}"/>
+              </a:ext>
+            </a:extLst>
+          </p:cNvPr>
+          <p:cNvSpPr>
+            <a:spLocks noGrp="1"/>
+          </p:cNvSpPr>
+          <p:nvPr>
+            <p:ph sz="quarter" idx="10"/>
+          </p:nvPr>
+        </p:nvSpPr>
+        <p:spPr/>
+        <p:txBody>
+          <a:bodyPr/>
+          <a:lstStyle/>
+          <a:p>
+            <a:r>
+              <a:rPr lang="en-US" sz="2200" dirty="0"/>
+              <a:t>A </a:t>
+            </a:r>
+            <a:r>
+              <a:rPr lang="en-US" sz="2200" b="1" dirty="0"/>
+              <a:t>network controller </a:t>
+            </a:r>
+            <a:r>
+              <a:rPr lang="en-US" sz="2200" dirty="0"/>
+              <a:t>is a software that orchestrates network functions. It serves as an intermediary between the business and the network infrastructure. The organization enters their desired business objectives into the controller which in turn sets up the network to deliver on those objectives. Network controllers do their jobs by:</a:t>
+            </a:r>
+          </a:p>
+          <a:p>
+            <a:pPr lvl="1"/>
+            <a:r>
+              <a:rPr lang="en-US" sz="2200" b="1" dirty="0"/>
+              <a:t>Maintaining an inventory of devices in the network and their status</a:t>
+            </a:r>
+          </a:p>
+          <a:p>
+            <a:pPr lvl="1"/>
+            <a:r>
+              <a:rPr lang="en-US" sz="2200" dirty="0"/>
+              <a:t>Automating device operations such as configurations and image updates</a:t>
+            </a:r>
+          </a:p>
+          <a:p>
+            <a:pPr lvl="1"/>
+            <a:r>
+              <a:rPr lang="en-US" sz="2200" dirty="0"/>
+              <a:t>Analyzing network operations, identifying potential issues, and suggesting remediations</a:t>
+            </a:r>
+          </a:p>
+          <a:p>
+            <a:pPr lvl="1"/>
+            <a:r>
+              <a:rPr lang="en-US" sz="2200" dirty="0"/>
+              <a:t>Providing a platform for integration with other applications such as reporting systems</a:t>
+            </a:r>
+          </a:p>
+          <a:p>
+            <a:pPr lvl="1"/>
+            <a:r>
+              <a:rPr lang="en-US" sz="2200" dirty="0"/>
+              <a:t>A network controller manages and orchestrates all aspects of a network making sure that it is operating flawlessly and delivering on business objectives. To better understand the role of such controllers, consider how network management has evolved.</a:t>
+            </a:r>
+          </a:p>
+          <a:p>
+            <a:endParaRPr lang="en-US" sz="2200" dirty="0"/>
+          </a:p>
+        </p:txBody>
+      </p:sp>
+    </p:spTree>
+    <p:extLst>
+      <p:ext uri="{BB962C8B-B14F-4D97-AF65-F5344CB8AC3E}">
+        <p14:creationId xmlns:p14="http://schemas.microsoft.com/office/powerpoint/2010/main" val="3267189681"/>
+      </p:ext>
+    </p:extLst>
+  </p:cSld>
+  <p:clrMapOvr>
+    <a:masterClrMapping/>
+  </p:clrMapOvr>
+</p:sld>
+</file>
+
+<file path=ppt/slides/slide24.xml><?xml version="1.0" encoding="utf-8"?>
+<p:sld xmlns:a="http://schemas.openxmlformats.org/drawingml/2006/main" xmlns:r="http://schemas.openxmlformats.org/officeDocument/2006/relationships" xmlns:p="http://schemas.openxmlformats.org/presentationml/2006/main">
+  <p:cSld>
+    <p:spTree>
+      <p:nvGrpSpPr>
+        <p:cNvPr id="1" name=""/>
+        <p:cNvGrpSpPr/>
+        <p:nvPr/>
+      </p:nvGrpSpPr>
+      <p:grpSpPr>
+        <a:xfrm>
+          <a:off x="0" y="0"/>
+          <a:ext cx="0" cy="0"/>
+          <a:chOff x="0" y="0"/>
+          <a:chExt cx="0" cy="0"/>
+        </a:xfrm>
+      </p:grpSpPr>
+      <p:sp>
+        <p:nvSpPr>
+          <p:cNvPr id="2" name="Title 1">
+            <a:extLst>
+              <a:ext uri="{FF2B5EF4-FFF2-40B4-BE49-F238E27FC236}">
+                <a16:creationId xmlns:a16="http://schemas.microsoft.com/office/drawing/2014/main" id="{ED082C6C-4572-40A4-9F0B-D08EBBBC06D9}"/>
+              </a:ext>
+            </a:extLst>
+          </p:cNvPr>
+          <p:cNvSpPr>
+            <a:spLocks noGrp="1"/>
+          </p:cNvSpPr>
+          <p:nvPr>
+            <p:ph type="title"/>
+          </p:nvPr>
+        </p:nvSpPr>
+        <p:spPr/>
+        <p:txBody>
+          <a:bodyPr/>
+          <a:lstStyle/>
+          <a:p>
+            <a:r>
+              <a:rPr lang="en-US" sz="2800" b="1" dirty="0"/>
+              <a:t>What is a network controller's role in intent-based networking?</a:t>
+            </a:r>
+          </a:p>
+        </p:txBody>
+      </p:sp>
+      <p:sp>
+        <p:nvSpPr>
+          <p:cNvPr id="3" name="Content Placeholder 2">
+            <a:extLst>
+              <a:ext uri="{FF2B5EF4-FFF2-40B4-BE49-F238E27FC236}">
+                <a16:creationId xmlns:a16="http://schemas.microsoft.com/office/drawing/2014/main" id="{C08C8CC4-F637-46E4-B13F-D98EA198DAF7}"/>
+              </a:ext>
+            </a:extLst>
+          </p:cNvPr>
+          <p:cNvSpPr>
+            <a:spLocks noGrp="1"/>
+          </p:cNvSpPr>
+          <p:nvPr>
+            <p:ph sz="quarter" idx="10"/>
+          </p:nvPr>
+        </p:nvSpPr>
+        <p:spPr/>
+        <p:txBody>
+          <a:bodyPr/>
+          <a:lstStyle/>
+          <a:p>
+            <a:r>
+              <a:rPr lang="en-US" sz="2000" dirty="0"/>
+              <a:t>An intent-based networking (IBN) architecture builds on SDN and provides the building blocks that transform a hardware-centric, manual network into a software-driven network that continuously captures business intent, translates it into policies, and applies them consistently across the network.</a:t>
+            </a:r>
+          </a:p>
+          <a:p>
+            <a:r>
+              <a:rPr lang="en-US" sz="2000" dirty="0"/>
+              <a:t>A network controller acts as a central control point for network activity in an intent-based network.</a:t>
+            </a:r>
+          </a:p>
+          <a:p>
+            <a:pPr lvl="1"/>
+            <a:r>
+              <a:rPr lang="en-US" b="1" dirty="0"/>
+              <a:t>Automation: </a:t>
+            </a:r>
+            <a:r>
+              <a:rPr lang="en-US" dirty="0"/>
+              <a:t>A network controller uses automation extensively for configuring, managing, testing, deploying, and operating physical and virtual devices in a network.</a:t>
+            </a:r>
+          </a:p>
+          <a:p>
+            <a:pPr lvl="1"/>
+            <a:r>
+              <a:rPr lang="en-US" b="1" dirty="0"/>
+              <a:t>Translation: </a:t>
+            </a:r>
+            <a:r>
+              <a:rPr lang="en-US" dirty="0"/>
+              <a:t>A network controller translates business intent into policies that network devices can implement to help produce desired outcomes. </a:t>
+            </a:r>
+          </a:p>
+          <a:p>
+            <a:pPr lvl="1"/>
+            <a:r>
+              <a:rPr lang="en-US" b="1" dirty="0"/>
+              <a:t>Activation: </a:t>
+            </a:r>
+            <a:r>
+              <a:rPr lang="en-US" dirty="0"/>
+              <a:t>A network controller distributes desired policies across the physical and virtual network infrastructure, using networkwide automation.</a:t>
+            </a:r>
+          </a:p>
+          <a:p>
+            <a:pPr lvl="1"/>
+            <a:r>
+              <a:rPr lang="en-US" b="1" dirty="0"/>
+              <a:t>Analytics: </a:t>
+            </a:r>
+            <a:r>
+              <a:rPr lang="en-US" dirty="0"/>
+              <a:t>A network controller collects and analyzes telemetry data from network devices to help them operate smoothly and to spot any irregularities or potential issues. </a:t>
+            </a:r>
+          </a:p>
+          <a:p>
+            <a:pPr lvl="1"/>
+            <a:r>
+              <a:rPr lang="en-US" b="1" dirty="0"/>
+              <a:t>Security: </a:t>
+            </a:r>
+            <a:r>
+              <a:rPr lang="en-US" dirty="0"/>
+              <a:t>A network controller can help ensure that security measures are built into the network, compared with reliance on security applications to secure only the perimeter. </a:t>
+            </a:r>
+          </a:p>
+          <a:p>
+            <a:pPr lvl="1"/>
+            <a:r>
+              <a:rPr lang="en-US" b="1" dirty="0"/>
+              <a:t>Integration: </a:t>
+            </a:r>
+            <a:r>
+              <a:rPr lang="en-US" dirty="0"/>
+              <a:t>A network controller provides a central point for network orchestration, abstract individual devices, and expose a higher level of functionality through open-standard APIs. </a:t>
+            </a:r>
+          </a:p>
+          <a:p>
+            <a:endParaRPr lang="en-US" dirty="0"/>
+          </a:p>
+        </p:txBody>
+      </p:sp>
+    </p:spTree>
+    <p:extLst>
+      <p:ext uri="{BB962C8B-B14F-4D97-AF65-F5344CB8AC3E}">
+        <p14:creationId xmlns:p14="http://schemas.microsoft.com/office/powerpoint/2010/main" val="731785353"/>
+      </p:ext>
+    </p:extLst>
+  </p:cSld>
+  <p:clrMapOvr>
+    <a:masterClrMapping/>
+  </p:clrMapOvr>
+</p:sld>
+</file>
+
+<file path=ppt/slides/slide25.xml><?xml version="1.0" encoding="utf-8"?>
+<p:sld xmlns:a="http://schemas.openxmlformats.org/drawingml/2006/main" xmlns:r="http://schemas.openxmlformats.org/officeDocument/2006/relationships" xmlns:p="http://schemas.openxmlformats.org/presentationml/2006/main">
+  <p:cSld>
+    <p:spTree>
+      <p:nvGrpSpPr>
+        <p:cNvPr id="1" name=""/>
+        <p:cNvGrpSpPr/>
+        <p:nvPr/>
+      </p:nvGrpSpPr>
+      <p:grpSpPr>
+        <a:xfrm>
+          <a:off x="0" y="0"/>
+          <a:ext cx="0" cy="0"/>
+          <a:chOff x="0" y="0"/>
+          <a:chExt cx="0" cy="0"/>
+        </a:xfrm>
+      </p:grpSpPr>
+      <p:sp>
+        <p:nvSpPr>
+          <p:cNvPr id="2" name="Title 1">
+            <a:extLst>
+              <a:ext uri="{FF2B5EF4-FFF2-40B4-BE49-F238E27FC236}">
+                <a16:creationId xmlns:a16="http://schemas.microsoft.com/office/drawing/2014/main" id="{46469F90-AEB1-4A57-9B79-DB6CEFA1F96E}"/>
+              </a:ext>
+            </a:extLst>
+          </p:cNvPr>
+          <p:cNvSpPr>
+            <a:spLocks noGrp="1"/>
+          </p:cNvSpPr>
+          <p:nvPr>
+            <p:ph type="title"/>
+          </p:nvPr>
+        </p:nvSpPr>
+        <p:spPr/>
+        <p:txBody>
+          <a:bodyPr/>
+          <a:lstStyle/>
+          <a:p>
+            <a:r>
+              <a:rPr lang="en-US" b="1" dirty="0"/>
+              <a:t>Cisco Intent-Based </a:t>
+            </a:r>
+            <a:r>
+              <a:rPr lang="en-US" dirty="0"/>
+              <a:t>N</a:t>
+            </a:r>
+            <a:r>
+              <a:rPr lang="en-US" b="1" dirty="0"/>
+              <a:t>etwork </a:t>
+            </a:r>
+            <a:r>
+              <a:rPr lang="en-US" dirty="0"/>
+              <a:t>C</a:t>
+            </a:r>
+            <a:r>
+              <a:rPr lang="en-US" b="1" dirty="0"/>
+              <a:t>ontrollers</a:t>
+            </a:r>
+            <a:endParaRPr lang="en-US" dirty="0"/>
+          </a:p>
+        </p:txBody>
+      </p:sp>
+      <p:sp>
+        <p:nvSpPr>
+          <p:cNvPr id="3" name="Content Placeholder 2">
+            <a:extLst>
+              <a:ext uri="{FF2B5EF4-FFF2-40B4-BE49-F238E27FC236}">
+                <a16:creationId xmlns:a16="http://schemas.microsoft.com/office/drawing/2014/main" id="{AC795795-C6C3-4CEC-83F3-6BC080ED7537}"/>
+              </a:ext>
+            </a:extLst>
+          </p:cNvPr>
+          <p:cNvSpPr>
+            <a:spLocks noGrp="1"/>
+          </p:cNvSpPr>
+          <p:nvPr>
+            <p:ph sz="quarter" idx="10"/>
+          </p:nvPr>
+        </p:nvSpPr>
+        <p:spPr/>
+        <p:txBody>
+          <a:bodyPr/>
+          <a:lstStyle/>
+          <a:p>
+            <a:pPr>
+              <a:buFont typeface="Arial" panose="020B0604020202020204" pitchFamily="34" charset="0"/>
+              <a:buChar char="•"/>
+            </a:pPr>
+            <a:r>
+              <a:rPr lang="en-US" sz="2400" dirty="0">
+                <a:solidFill>
+                  <a:srgbClr val="C00000"/>
+                </a:solidFill>
+                <a:hlinkClick r:id="rId2">
+                  <a:extLst>
+                    <a:ext uri="{A12FA001-AC4F-418D-AE19-62706E023703}">
+                      <ahyp:hlinkClr xmlns:ahyp="http://schemas.microsoft.com/office/drawing/2018/hyperlinkcolor" val="tx"/>
+                    </a:ext>
+                  </a:extLst>
+                </a:hlinkClick>
+              </a:rPr>
+              <a:t>Cisco DNA Center</a:t>
+            </a:r>
+            <a:r>
+              <a:rPr lang="en-US" sz="2400" dirty="0">
+                <a:solidFill>
+                  <a:srgbClr val="C00000"/>
+                </a:solidFill>
+              </a:rPr>
+              <a:t> </a:t>
+            </a:r>
+          </a:p>
+          <a:p>
+            <a:pPr>
+              <a:buFont typeface="Arial" panose="020B0604020202020204" pitchFamily="34" charset="0"/>
+              <a:buChar char="•"/>
+            </a:pPr>
+            <a:r>
+              <a:rPr lang="en-US" sz="2400" dirty="0">
+                <a:solidFill>
+                  <a:srgbClr val="C00000"/>
+                </a:solidFill>
+                <a:hlinkClick r:id="rId3">
+                  <a:extLst>
+                    <a:ext uri="{A12FA001-AC4F-418D-AE19-62706E023703}">
+                      <ahyp:hlinkClr xmlns:ahyp="http://schemas.microsoft.com/office/drawing/2018/hyperlinkcolor" val="tx"/>
+                    </a:ext>
+                  </a:extLst>
+                </a:hlinkClick>
+              </a:rPr>
+              <a:t>Cisco vManage</a:t>
+            </a:r>
+            <a:r>
+              <a:rPr lang="en-US" sz="2400" dirty="0">
+                <a:solidFill>
+                  <a:srgbClr val="C00000"/>
+                </a:solidFill>
+              </a:rPr>
+              <a:t> </a:t>
+            </a:r>
+          </a:p>
+          <a:p>
+            <a:pPr>
+              <a:buFont typeface="Arial" panose="020B0604020202020204" pitchFamily="34" charset="0"/>
+              <a:buChar char="•"/>
+            </a:pPr>
+            <a:r>
+              <a:rPr lang="en-US" sz="2400" dirty="0">
+                <a:solidFill>
+                  <a:srgbClr val="C00000"/>
+                </a:solidFill>
+                <a:hlinkClick r:id="rId4">
+                  <a:extLst>
+                    <a:ext uri="{A12FA001-AC4F-418D-AE19-62706E023703}">
+                      <ahyp:hlinkClr xmlns:ahyp="http://schemas.microsoft.com/office/drawing/2018/hyperlinkcolor" val="tx"/>
+                    </a:ext>
+                  </a:extLst>
+                </a:hlinkClick>
+              </a:rPr>
+              <a:t>Cisco APIC</a:t>
+            </a:r>
+            <a:r>
+              <a:rPr lang="en-US" sz="2400" dirty="0">
+                <a:solidFill>
+                  <a:srgbClr val="C00000"/>
+                </a:solidFill>
+              </a:rPr>
+              <a:t> </a:t>
+            </a:r>
+          </a:p>
+          <a:p>
+            <a:endParaRPr lang="en-US" dirty="0"/>
+          </a:p>
+        </p:txBody>
+      </p:sp>
+    </p:spTree>
+    <p:extLst>
+      <p:ext uri="{BB962C8B-B14F-4D97-AF65-F5344CB8AC3E}">
+        <p14:creationId xmlns:p14="http://schemas.microsoft.com/office/powerpoint/2010/main" val="3401368702"/>
+      </p:ext>
+    </p:extLst>
+  </p:cSld>
+  <p:clrMapOvr>
+    <a:masterClrMapping/>
+  </p:clrMapOvr>
+</p:sld>
+</file>
+
+<file path=ppt/slides/slide26.xml><?xml version="1.0" encoding="utf-8"?>
+<p:sld xmlns:a="http://schemas.openxmlformats.org/drawingml/2006/main" xmlns:r="http://schemas.openxmlformats.org/officeDocument/2006/relationships" xmlns:p="http://schemas.openxmlformats.org/presentationml/2006/main">
+  <p:cSld>
+    <p:spTree>
+      <p:nvGrpSpPr>
+        <p:cNvPr id="1" name=""/>
+        <p:cNvGrpSpPr/>
+        <p:nvPr/>
+      </p:nvGrpSpPr>
+      <p:grpSpPr>
+        <a:xfrm>
+          <a:off x="0" y="0"/>
+          <a:ext cx="0" cy="0"/>
+          <a:chOff x="0" y="0"/>
+          <a:chExt cx="0" cy="0"/>
+        </a:xfrm>
+      </p:grpSpPr>
+      <p:sp>
+        <p:nvSpPr>
+          <p:cNvPr id="2" name="Title 1">
+            <a:extLst>
+              <a:ext uri="{FF2B5EF4-FFF2-40B4-BE49-F238E27FC236}">
+                <a16:creationId xmlns:a16="http://schemas.microsoft.com/office/drawing/2014/main" id="{A4E3E9D7-373A-42DF-B382-C70E7C6A7A4D}"/>
+              </a:ext>
+            </a:extLst>
+          </p:cNvPr>
+          <p:cNvSpPr>
+            <a:spLocks noGrp="1"/>
+          </p:cNvSpPr>
+          <p:nvPr>
+            <p:ph type="title"/>
+          </p:nvPr>
+        </p:nvSpPr>
+        <p:spPr/>
+        <p:txBody>
+          <a:bodyPr/>
+          <a:lstStyle/>
+          <a:p>
+            <a:r>
+              <a:rPr lang="en-US" dirty="0"/>
+              <a:t>Let's Practice</a:t>
+            </a:r>
+          </a:p>
+        </p:txBody>
+      </p:sp>
+      <p:sp>
+        <p:nvSpPr>
+          <p:cNvPr id="3" name="Content Placeholder 2">
+            <a:extLst>
+              <a:ext uri="{FF2B5EF4-FFF2-40B4-BE49-F238E27FC236}">
+                <a16:creationId xmlns:a16="http://schemas.microsoft.com/office/drawing/2014/main" id="{E5BAE35E-C319-4553-BF55-3FD9288598D9}"/>
+              </a:ext>
+            </a:extLst>
+          </p:cNvPr>
+          <p:cNvSpPr>
+            <a:spLocks noGrp="1"/>
+          </p:cNvSpPr>
+          <p:nvPr>
+            <p:ph sz="quarter" idx="10"/>
+          </p:nvPr>
+        </p:nvSpPr>
+        <p:spPr/>
+        <p:txBody>
+          <a:bodyPr/>
+          <a:lstStyle/>
+          <a:p>
+            <a:pPr marL="0" indent="0" algn="ctr">
+              <a:buNone/>
+            </a:pPr>
+            <a:r>
+              <a:rPr lang="en-US" sz="9600" b="1" dirty="0"/>
+              <a:t>Demo</a:t>
+            </a:r>
+          </a:p>
+          <a:p>
+            <a:pPr marL="0" indent="0" algn="ctr">
+              <a:buNone/>
+            </a:pPr>
+            <a:r>
+              <a:rPr lang="en-US" sz="3600" b="1" dirty="0"/>
               <a:t>Part 8 – 40 minutes</a:t>
             </a:r>
           </a:p>
@@ -7200,7 +9051,7 @@
 </p:sld>
 </file>
 
-<file path=ppt/slides/slide23.xml><?xml version="1.0" encoding="utf-8"?>
+<file path=ppt/slides/slide27.xml><?xml version="1.0" encoding="utf-8"?>
 <p:sld xmlns:a="http://schemas.openxmlformats.org/drawingml/2006/main" xmlns:r="http://schemas.openxmlformats.org/officeDocument/2006/relationships" xmlns:p="http://schemas.openxmlformats.org/presentationml/2006/main">
   <p:cSld>
     <p:spTree>
